--- a/Presentation/Drink Tracker.pptx
+++ b/Presentation/Drink Tracker.pptx
@@ -112,6 +112,11 @@
       </a:defRPr>
     </a:lvl9pPr>
   </p:defaultTextStyle>
+  <p:extLst>
+    <p:ext uri="{EFAFB233-063F-42B5-8137-9DF3F51BA10A}">
+      <p15:sldGuideLst xmlns:p15="http://schemas.microsoft.com/office/powerpoint/2012/main"/>
+    </p:ext>
+  </p:extLst>
 </p:presentation>
 </file>
 
@@ -4035,9 +4040,10 @@
           </a:bodyPr>
           <a:lstStyle/>
           <a:p>
-            <a:r>
-              <a:rPr lang="sk-SK" sz="2400" dirty="0"/>
-              <a:t>- Kontrolovanie počtu, ceny, druhu a času zakúpených nápojov v podniku</a:t>
+            <a:pPr lvl="1"/>
+            <a:r>
+              <a:rPr lang="sk-SK" sz="2800" dirty="0"/>
+              <a:t>Kontrolovanie počtu, ceny, druhu a času zakúpených nápojov v podniku</a:t>
             </a:r>
           </a:p>
         </p:txBody>
@@ -4123,15 +4129,17 @@
           </a:bodyPr>
           <a:lstStyle/>
           <a:p>
-            <a:r>
-              <a:rPr lang="sk-SK" sz="2400" dirty="0"/>
-              <a:t>- Kontrolovanie počtu, ceny, druhu a času zakúpených nápojov v podniku</a:t>
-            </a:r>
-          </a:p>
-          <a:p>
-            <a:r>
-              <a:rPr lang="sk-SK" sz="2400" dirty="0"/>
-              <a:t>- Výpočet promile alkoholu v krvi a čas vytriezvenia</a:t>
+            <a:pPr lvl="1"/>
+            <a:r>
+              <a:rPr lang="sk-SK" sz="2800" dirty="0"/>
+              <a:t>Kontrolovanie počtu, ceny, druhu a času zakúpených nápojov v podniku</a:t>
+            </a:r>
+          </a:p>
+          <a:p>
+            <a:pPr lvl="1"/>
+            <a:r>
+              <a:rPr lang="sk-SK" sz="2800" dirty="0"/>
+              <a:t>Výpočet promile alkoholu v krvi a čas vytriezvenia</a:t>
             </a:r>
           </a:p>
         </p:txBody>
@@ -4217,21 +4225,24 @@
           </a:bodyPr>
           <a:lstStyle/>
           <a:p>
-            <a:r>
-              <a:rPr lang="sk-SK" sz="2400" dirty="0"/>
-              <a:t>- Kontrolovanie počtu, ceny, druhu a času zakúpených nápojov v podniku</a:t>
-            </a:r>
-          </a:p>
-          <a:p>
-            <a:r>
-              <a:rPr lang="sk-SK" sz="2400" dirty="0"/>
-              <a:t>- Výpočet promile alkoholu v krvi a čas vytriezvenia</a:t>
-            </a:r>
-          </a:p>
-          <a:p>
-            <a:r>
-              <a:rPr lang="sk-SK" sz="2400" dirty="0"/>
-              <a:t>- Cieľová skupina – najmä študenti alebo mladí, cca 18-30 rokov</a:t>
+            <a:pPr lvl="1"/>
+            <a:r>
+              <a:rPr lang="sk-SK" sz="2800" dirty="0"/>
+              <a:t>Kontrolovanie počtu, ceny, druhu a času zakúpených nápojov v podniku</a:t>
+            </a:r>
+          </a:p>
+          <a:p>
+            <a:pPr lvl="1"/>
+            <a:r>
+              <a:rPr lang="sk-SK" sz="2800" dirty="0"/>
+              <a:t>Výpočet promile alkoholu v krvi a čas vytriezvenia</a:t>
+            </a:r>
+          </a:p>
+          <a:p>
+            <a:pPr lvl="1"/>
+            <a:r>
+              <a:rPr lang="sk-SK" sz="2800" dirty="0"/>
+              <a:t>Cieľová skupina – najmä študenti alebo mladí, cca 18-30 rokov</a:t>
             </a:r>
           </a:p>
         </p:txBody>
@@ -4317,9 +4328,24 @@
           </a:bodyPr>
           <a:lstStyle/>
           <a:p>
-            <a:r>
-              <a:rPr lang="sk-SK" sz="2400" dirty="0"/>
-              <a:t>- </a:t>
+            <a:pPr lvl="1"/>
+            <a:r>
+              <a:rPr lang="sk-SK" sz="2800" dirty="0"/>
+              <a:t>Návrh UI</a:t>
+            </a:r>
+          </a:p>
+          <a:p>
+            <a:pPr lvl="1"/>
+            <a:r>
+              <a:rPr lang="sk-SK" sz="2800" dirty="0"/>
+              <a:t>Vytvorenie pár obrazoviek so vzorovými dátami</a:t>
+            </a:r>
+          </a:p>
+          <a:p>
+            <a:pPr lvl="1"/>
+            <a:r>
+              <a:rPr lang="sk-SK" sz="2800" dirty="0"/>
+              <a:t>Iteratívne pridávanie funkcionality</a:t>
             </a:r>
           </a:p>
         </p:txBody>
@@ -4405,7 +4431,31 @@
           </a:bodyPr>
           <a:lstStyle/>
           <a:p>
-            <a:endParaRPr lang="sk-SK" sz="2400" dirty="0"/>
+            <a:pPr lvl="1"/>
+            <a:r>
+              <a:rPr lang="sk-SK" sz="2800" dirty="0"/>
+              <a:t>Vytvorenie správneho dátového modelu</a:t>
+            </a:r>
+          </a:p>
+          <a:p>
+            <a:pPr lvl="1"/>
+            <a:r>
+              <a:rPr lang="sk-SK" sz="2800" dirty="0"/>
+              <a:t>Výber databázovej technológie – Microsoft Entity </a:t>
+            </a:r>
+            <a:r>
+              <a:rPr lang="sk-SK" sz="2800" dirty="0" err="1"/>
+              <a:t>Framework</a:t>
+            </a:r>
+            <a:r>
+              <a:rPr lang="sk-SK" sz="2800" dirty="0"/>
+              <a:t> + </a:t>
+            </a:r>
+            <a:r>
+              <a:rPr lang="sk-SK" sz="2800" dirty="0" err="1"/>
+              <a:t>SQLite</a:t>
+            </a:r>
+            <a:endParaRPr lang="sk-SK" sz="2800" dirty="0"/>
           </a:p>
         </p:txBody>
       </p:sp>
@@ -4490,15 +4540,10 @@
           </a:bodyPr>
           <a:lstStyle/>
           <a:p>
-            <a:r>
-              <a:rPr lang="sk-SK" sz="2400" dirty="0"/>
-              <a:t>- Samostatný účet pre každého člena skupiny, </a:t>
-            </a:r>
-          </a:p>
-          <a:p>
-            <a:r>
-              <a:rPr lang="sk-SK" sz="2400" dirty="0"/>
-              <a:t>ktorý má ďalej svoje bločky</a:t>
+            <a:pPr lvl="1"/>
+            <a:r>
+              <a:rPr lang="sk-SK" sz="2800" dirty="0"/>
+              <a:t>Samostatný účet pre každého člena skupiny, ktorý má ďalej svoje bločky</a:t>
             </a:r>
           </a:p>
         </p:txBody>
@@ -4531,8 +4576,44 @@
         </p:blipFill>
         <p:spPr>
           <a:xfrm>
-            <a:off x="7754074" y="1845734"/>
-            <a:ext cx="3700186" cy="4359123"/>
+            <a:off x="7385863" y="2509935"/>
+            <a:ext cx="2982971" cy="3514186"/>
+          </a:xfrm>
+          <a:prstGeom prst="rect">
+            <a:avLst/>
+          </a:prstGeom>
+        </p:spPr>
+      </p:pic>
+      <p:pic>
+        <p:nvPicPr>
+          <p:cNvPr id="10" name="Obrázok 9">
+            <a:extLst>
+              <a:ext uri="{FF2B5EF4-FFF2-40B4-BE49-F238E27FC236}">
+                <a16:creationId xmlns:a16="http://schemas.microsoft.com/office/drawing/2014/main" id="{A912132F-003A-4B26-9EDF-2ECCDF4F2D3D}"/>
+              </a:ext>
+            </a:extLst>
+          </p:cNvPr>
+          <p:cNvPicPr>
+            <a:picLocks noChangeAspect="1"/>
+          </p:cNvPicPr>
+          <p:nvPr/>
+        </p:nvPicPr>
+        <p:blipFill>
+          <a:blip r:embed="rId3">
+            <a:extLst>
+              <a:ext uri="{28A0092B-C50C-407E-A947-70E740481C1C}">
+                <a14:useLocalDpi xmlns:a14="http://schemas.microsoft.com/office/drawing/2010/main" val="0"/>
+              </a:ext>
+            </a:extLst>
+          </a:blip>
+          <a:stretch>
+            <a:fillRect/>
+          </a:stretch>
+        </p:blipFill>
+        <p:spPr>
+          <a:xfrm>
+            <a:off x="1691243" y="3496036"/>
+            <a:ext cx="4215035" cy="2373058"/>
           </a:xfrm>
           <a:prstGeom prst="rect">
             <a:avLst/>
@@ -4620,19 +4701,27 @@
           </a:bodyPr>
           <a:lstStyle/>
           <a:p>
-            <a:r>
-              <a:rPr lang="sk-SK" sz="2400" dirty="0"/>
-              <a:t>- Kategorizácia alkoholu do 6 skupín</a:t>
+            <a:pPr lvl="1"/>
+            <a:r>
+              <a:rPr lang="sk-SK" sz="2800" dirty="0"/>
+              <a:t>Výpočet času triezvosti používateľa</a:t>
+            </a:r>
+          </a:p>
+          <a:p>
+            <a:pPr lvl="1"/>
+            <a:r>
+              <a:rPr lang="sk-SK" sz="2800" dirty="0"/>
+              <a:t>Výpočet ceny účtu</a:t>
             </a:r>
           </a:p>
         </p:txBody>
       </p:sp>
       <p:pic>
         <p:nvPicPr>
-          <p:cNvPr id="7" name="Obrázok 6">
+          <p:cNvPr id="8" name="Obrázok 7">
             <a:extLst>
               <a:ext uri="{FF2B5EF4-FFF2-40B4-BE49-F238E27FC236}">
-                <a16:creationId xmlns:a16="http://schemas.microsoft.com/office/drawing/2014/main" id="{C5312297-A676-4AFD-8A26-4F75ECBA10F2}"/>
+                <a16:creationId xmlns:a16="http://schemas.microsoft.com/office/drawing/2014/main" id="{3D0F2770-65EE-45AA-A6A4-8D6C2D48C777}"/>
               </a:ext>
             </a:extLst>
           </p:cNvPr>
@@ -4655,8 +4744,44 @@
         </p:blipFill>
         <p:spPr>
           <a:xfrm>
-            <a:off x="7767492" y="1845734"/>
-            <a:ext cx="3709161" cy="4369697"/>
+            <a:off x="2147122" y="2874622"/>
+            <a:ext cx="3572543" cy="3102846"/>
+          </a:xfrm>
+          <a:prstGeom prst="rect">
+            <a:avLst/>
+          </a:prstGeom>
+        </p:spPr>
+      </p:pic>
+      <p:pic>
+        <p:nvPicPr>
+          <p:cNvPr id="11" name="Obrázok 10">
+            <a:extLst>
+              <a:ext uri="{FF2B5EF4-FFF2-40B4-BE49-F238E27FC236}">
+                <a16:creationId xmlns:a16="http://schemas.microsoft.com/office/drawing/2014/main" id="{684AD650-6121-468C-A75D-845765AAB2E0}"/>
+              </a:ext>
+            </a:extLst>
+          </p:cNvPr>
+          <p:cNvPicPr>
+            <a:picLocks noChangeAspect="1"/>
+          </p:cNvPicPr>
+          <p:nvPr/>
+        </p:nvPicPr>
+        <p:blipFill>
+          <a:blip r:embed="rId3">
+            <a:extLst>
+              <a:ext uri="{28A0092B-C50C-407E-A947-70E740481C1C}">
+                <a14:useLocalDpi xmlns:a14="http://schemas.microsoft.com/office/drawing/2010/main" val="0"/>
+              </a:ext>
+            </a:extLst>
+          </a:blip>
+          <a:stretch>
+            <a:fillRect/>
+          </a:stretch>
+        </p:blipFill>
+        <p:spPr>
+          <a:xfrm>
+            <a:off x="6905292" y="2871882"/>
+            <a:ext cx="3936880" cy="3105586"/>
           </a:xfrm>
           <a:prstGeom prst="rect">
             <a:avLst/>
@@ -4744,21 +4869,17 @@
           </a:bodyPr>
           <a:lstStyle/>
           <a:p>
-            <a:r>
-              <a:rPr lang="sk-SK" sz="2400" dirty="0"/>
-              <a:t>- Tvorba vlastných nápojov do databáze na výber</a:t>
-            </a:r>
-          </a:p>
-          <a:p>
-            <a:r>
-              <a:rPr lang="sk-SK" sz="2400" dirty="0"/>
-              <a:t>- Voľba názvu, ceny, veľkosti a počtu percent </a:t>
-            </a:r>
-          </a:p>
-          <a:p>
-            <a:r>
-              <a:rPr lang="sk-SK" sz="2400" dirty="0"/>
-              <a:t>alkoholu</a:t>
+            <a:pPr lvl="1"/>
+            <a:r>
+              <a:rPr lang="sk-SK" sz="2800" dirty="0"/>
+              <a:t>Tvorba vlastných nápojov do databáze na výber</a:t>
+            </a:r>
+          </a:p>
+          <a:p>
+            <a:pPr lvl="1"/>
+            <a:r>
+              <a:rPr lang="sk-SK" sz="2800" dirty="0"/>
+              <a:t>Voľba názvu, ceny, veľkosti a počtu percent alkoholu</a:t>
             </a:r>
           </a:p>
         </p:txBody>
@@ -4791,8 +4912,116 @@
         </p:blipFill>
         <p:spPr>
           <a:xfrm>
-            <a:off x="7777900" y="1845734"/>
-            <a:ext cx="3667029" cy="4320062"/>
+            <a:off x="4927137" y="2815694"/>
+            <a:ext cx="2946324" cy="3471012"/>
+          </a:xfrm>
+          <a:prstGeom prst="rect">
+            <a:avLst/>
+          </a:prstGeom>
+        </p:spPr>
+      </p:pic>
+      <p:pic>
+        <p:nvPicPr>
+          <p:cNvPr id="6" name="Obrázok 5">
+            <a:extLst>
+              <a:ext uri="{FF2B5EF4-FFF2-40B4-BE49-F238E27FC236}">
+                <a16:creationId xmlns:a16="http://schemas.microsoft.com/office/drawing/2014/main" id="{51B4657B-59FE-491F-A4DB-ED07D74F21AB}"/>
+              </a:ext>
+            </a:extLst>
+          </p:cNvPr>
+          <p:cNvPicPr>
+            <a:picLocks noChangeAspect="1"/>
+          </p:cNvPicPr>
+          <p:nvPr/>
+        </p:nvPicPr>
+        <p:blipFill>
+          <a:blip r:embed="rId3">
+            <a:extLst>
+              <a:ext uri="{28A0092B-C50C-407E-A947-70E740481C1C}">
+                <a14:useLocalDpi xmlns:a14="http://schemas.microsoft.com/office/drawing/2010/main" val="0"/>
+              </a:ext>
+            </a:extLst>
+          </a:blip>
+          <a:stretch>
+            <a:fillRect/>
+          </a:stretch>
+        </p:blipFill>
+        <p:spPr>
+          <a:xfrm>
+            <a:off x="9156510" y="2557572"/>
+            <a:ext cx="2713039" cy="3642607"/>
+          </a:xfrm>
+          <a:prstGeom prst="rect">
+            <a:avLst/>
+          </a:prstGeom>
+        </p:spPr>
+      </p:pic>
+      <p:pic>
+        <p:nvPicPr>
+          <p:cNvPr id="7" name="Obrázok 6">
+            <a:extLst>
+              <a:ext uri="{FF2B5EF4-FFF2-40B4-BE49-F238E27FC236}">
+                <a16:creationId xmlns:a16="http://schemas.microsoft.com/office/drawing/2014/main" id="{AA03637C-D9C7-4C1B-98C6-4500F115BD76}"/>
+              </a:ext>
+            </a:extLst>
+          </p:cNvPr>
+          <p:cNvPicPr>
+            <a:picLocks noChangeAspect="1"/>
+          </p:cNvPicPr>
+          <p:nvPr/>
+        </p:nvPicPr>
+        <p:blipFill>
+          <a:blip r:embed="rId4">
+            <a:extLst>
+              <a:ext uri="{28A0092B-C50C-407E-A947-70E740481C1C}">
+                <a14:useLocalDpi xmlns:a14="http://schemas.microsoft.com/office/drawing/2010/main" val="0"/>
+              </a:ext>
+            </a:extLst>
+          </a:blip>
+          <a:stretch>
+            <a:fillRect/>
+          </a:stretch>
+        </p:blipFill>
+        <p:spPr>
+          <a:xfrm>
+            <a:off x="1825644" y="2815694"/>
+            <a:ext cx="1509817" cy="1778688"/>
+          </a:xfrm>
+          <a:prstGeom prst="rect">
+            <a:avLst/>
+          </a:prstGeom>
+        </p:spPr>
+      </p:pic>
+      <p:pic>
+        <p:nvPicPr>
+          <p:cNvPr id="8" name="Obrázok 7">
+            <a:extLst>
+              <a:ext uri="{FF2B5EF4-FFF2-40B4-BE49-F238E27FC236}">
+                <a16:creationId xmlns:a16="http://schemas.microsoft.com/office/drawing/2014/main" id="{95CC4244-304B-4890-9D9D-ED275D7E4A46}"/>
+              </a:ext>
+            </a:extLst>
+          </p:cNvPr>
+          <p:cNvPicPr>
+            <a:picLocks noChangeAspect="1"/>
+          </p:cNvPicPr>
+          <p:nvPr/>
+        </p:nvPicPr>
+        <p:blipFill>
+          <a:blip r:embed="rId5">
+            <a:extLst>
+              <a:ext uri="{28A0092B-C50C-407E-A947-70E740481C1C}">
+                <a14:useLocalDpi xmlns:a14="http://schemas.microsoft.com/office/drawing/2010/main" val="0"/>
+              </a:ext>
+            </a:extLst>
+          </a:blip>
+          <a:stretch>
+            <a:fillRect/>
+          </a:stretch>
+        </p:blipFill>
+        <p:spPr>
+          <a:xfrm>
+            <a:off x="962334" y="4648569"/>
+            <a:ext cx="3236439" cy="1551610"/>
           </a:xfrm>
           <a:prstGeom prst="rect">
             <a:avLst/>

--- a/Presentation/Drink Tracker.pptx
+++ b/Presentation/Drink Tracker.pptx
@@ -10,10 +10,13 @@
     <p:sldId id="258" r:id="rId4"/>
     <p:sldId id="259" r:id="rId5"/>
     <p:sldId id="263" r:id="rId6"/>
-    <p:sldId id="265" r:id="rId7"/>
-    <p:sldId id="260" r:id="rId8"/>
-    <p:sldId id="262" r:id="rId9"/>
-    <p:sldId id="264" r:id="rId10"/>
+    <p:sldId id="266" r:id="rId7"/>
+    <p:sldId id="267" r:id="rId8"/>
+    <p:sldId id="265" r:id="rId9"/>
+    <p:sldId id="268" r:id="rId10"/>
+    <p:sldId id="260" r:id="rId11"/>
+    <p:sldId id="262" r:id="rId12"/>
+    <p:sldId id="264" r:id="rId13"/>
   </p:sldIdLst>
   <p:sldSz cx="12192000" cy="6858000"/>
   <p:notesSz cx="6858000" cy="9144000"/>
@@ -3972,507 +3975,7 @@
 </p:sld>
 </file>
 
-<file path=ppt/slides/slide2.xml><?xml version="1.0" encoding="utf-8"?>
-<p:sld xmlns:a="http://schemas.openxmlformats.org/drawingml/2006/main" xmlns:r="http://schemas.openxmlformats.org/officeDocument/2006/relationships" xmlns:p="http://schemas.openxmlformats.org/presentationml/2006/main">
-  <p:cSld>
-    <p:spTree>
-      <p:nvGrpSpPr>
-        <p:cNvPr id="1" name=""/>
-        <p:cNvGrpSpPr/>
-        <p:nvPr/>
-      </p:nvGrpSpPr>
-      <p:grpSpPr>
-        <a:xfrm>
-          <a:off x="0" y="0"/>
-          <a:ext cx="0" cy="0"/>
-          <a:chOff x="0" y="0"/>
-          <a:chExt cx="0" cy="0"/>
-        </a:xfrm>
-      </p:grpSpPr>
-      <p:sp>
-        <p:nvSpPr>
-          <p:cNvPr id="2" name="Nadpis 1">
-            <a:extLst>
-              <a:ext uri="{FF2B5EF4-FFF2-40B4-BE49-F238E27FC236}">
-                <a16:creationId xmlns:a16="http://schemas.microsoft.com/office/drawing/2014/main" id="{E665B9D1-52E8-4507-8665-A133DD72FA58}"/>
-              </a:ext>
-            </a:extLst>
-          </p:cNvPr>
-          <p:cNvSpPr>
-            <a:spLocks noGrp="1"/>
-          </p:cNvSpPr>
-          <p:nvPr>
-            <p:ph type="title"/>
-          </p:nvPr>
-        </p:nvSpPr>
-        <p:spPr/>
-        <p:txBody>
-          <a:bodyPr/>
-          <a:lstStyle/>
-          <a:p>
-            <a:r>
-              <a:rPr lang="sk-SK" dirty="0"/>
-              <a:t>1. Cieľ aplikácie</a:t>
-            </a:r>
-          </a:p>
-        </p:txBody>
-      </p:sp>
-      <p:sp>
-        <p:nvSpPr>
-          <p:cNvPr id="3" name="Zástupný objekt pre obsah 2">
-            <a:extLst>
-              <a:ext uri="{FF2B5EF4-FFF2-40B4-BE49-F238E27FC236}">
-                <a16:creationId xmlns:a16="http://schemas.microsoft.com/office/drawing/2014/main" id="{9074B751-1DAA-4BA1-98A3-46E2E673116F}"/>
-              </a:ext>
-            </a:extLst>
-          </p:cNvPr>
-          <p:cNvSpPr>
-            <a:spLocks noGrp="1"/>
-          </p:cNvSpPr>
-          <p:nvPr>
-            <p:ph idx="1"/>
-          </p:nvPr>
-        </p:nvSpPr>
-        <p:spPr/>
-        <p:txBody>
-          <a:bodyPr>
-            <a:normAutofit/>
-          </a:bodyPr>
-          <a:lstStyle/>
-          <a:p>
-            <a:pPr lvl="1"/>
-            <a:r>
-              <a:rPr lang="sk-SK" sz="2800" dirty="0"/>
-              <a:t>Kontrolovanie počtu, ceny, druhu a času zakúpených nápojov v podniku</a:t>
-            </a:r>
-          </a:p>
-        </p:txBody>
-      </p:sp>
-    </p:spTree>
-    <p:extLst>
-      <p:ext uri="{BB962C8B-B14F-4D97-AF65-F5344CB8AC3E}">
-        <p14:creationId xmlns:p14="http://schemas.microsoft.com/office/powerpoint/2010/main" val="4238303854"/>
-      </p:ext>
-    </p:extLst>
-  </p:cSld>
-  <p:clrMapOvr>
-    <a:masterClrMapping/>
-  </p:clrMapOvr>
-</p:sld>
-</file>
-
-<file path=ppt/slides/slide3.xml><?xml version="1.0" encoding="utf-8"?>
-<p:sld xmlns:a="http://schemas.openxmlformats.org/drawingml/2006/main" xmlns:r="http://schemas.openxmlformats.org/officeDocument/2006/relationships" xmlns:p="http://schemas.openxmlformats.org/presentationml/2006/main">
-  <p:cSld>
-    <p:spTree>
-      <p:nvGrpSpPr>
-        <p:cNvPr id="1" name=""/>
-        <p:cNvGrpSpPr/>
-        <p:nvPr/>
-      </p:nvGrpSpPr>
-      <p:grpSpPr>
-        <a:xfrm>
-          <a:off x="0" y="0"/>
-          <a:ext cx="0" cy="0"/>
-          <a:chOff x="0" y="0"/>
-          <a:chExt cx="0" cy="0"/>
-        </a:xfrm>
-      </p:grpSpPr>
-      <p:sp>
-        <p:nvSpPr>
-          <p:cNvPr id="2" name="Nadpis 1">
-            <a:extLst>
-              <a:ext uri="{FF2B5EF4-FFF2-40B4-BE49-F238E27FC236}">
-                <a16:creationId xmlns:a16="http://schemas.microsoft.com/office/drawing/2014/main" id="{E665B9D1-52E8-4507-8665-A133DD72FA58}"/>
-              </a:ext>
-            </a:extLst>
-          </p:cNvPr>
-          <p:cNvSpPr>
-            <a:spLocks noGrp="1"/>
-          </p:cNvSpPr>
-          <p:nvPr>
-            <p:ph type="title"/>
-          </p:nvPr>
-        </p:nvSpPr>
-        <p:spPr/>
-        <p:txBody>
-          <a:bodyPr/>
-          <a:lstStyle/>
-          <a:p>
-            <a:r>
-              <a:rPr lang="sk-SK" dirty="0"/>
-              <a:t>1. Cieľ aplikácie</a:t>
-            </a:r>
-          </a:p>
-        </p:txBody>
-      </p:sp>
-      <p:sp>
-        <p:nvSpPr>
-          <p:cNvPr id="3" name="Zástupný objekt pre obsah 2">
-            <a:extLst>
-              <a:ext uri="{FF2B5EF4-FFF2-40B4-BE49-F238E27FC236}">
-                <a16:creationId xmlns:a16="http://schemas.microsoft.com/office/drawing/2014/main" id="{9074B751-1DAA-4BA1-98A3-46E2E673116F}"/>
-              </a:ext>
-            </a:extLst>
-          </p:cNvPr>
-          <p:cNvSpPr>
-            <a:spLocks noGrp="1"/>
-          </p:cNvSpPr>
-          <p:nvPr>
-            <p:ph idx="1"/>
-          </p:nvPr>
-        </p:nvSpPr>
-        <p:spPr/>
-        <p:txBody>
-          <a:bodyPr>
-            <a:normAutofit/>
-          </a:bodyPr>
-          <a:lstStyle/>
-          <a:p>
-            <a:pPr lvl="1"/>
-            <a:r>
-              <a:rPr lang="sk-SK" sz="2800" dirty="0"/>
-              <a:t>Kontrolovanie počtu, ceny, druhu a času zakúpených nápojov v podniku</a:t>
-            </a:r>
-          </a:p>
-          <a:p>
-            <a:pPr lvl="1"/>
-            <a:r>
-              <a:rPr lang="sk-SK" sz="2800" dirty="0"/>
-              <a:t>Výpočet promile alkoholu v krvi a čas vytriezvenia</a:t>
-            </a:r>
-          </a:p>
-        </p:txBody>
-      </p:sp>
-    </p:spTree>
-    <p:extLst>
-      <p:ext uri="{BB962C8B-B14F-4D97-AF65-F5344CB8AC3E}">
-        <p14:creationId xmlns:p14="http://schemas.microsoft.com/office/powerpoint/2010/main" val="2891544656"/>
-      </p:ext>
-    </p:extLst>
-  </p:cSld>
-  <p:clrMapOvr>
-    <a:masterClrMapping/>
-  </p:clrMapOvr>
-</p:sld>
-</file>
-
-<file path=ppt/slides/slide4.xml><?xml version="1.0" encoding="utf-8"?>
-<p:sld xmlns:a="http://schemas.openxmlformats.org/drawingml/2006/main" xmlns:r="http://schemas.openxmlformats.org/officeDocument/2006/relationships" xmlns:p="http://schemas.openxmlformats.org/presentationml/2006/main">
-  <p:cSld>
-    <p:spTree>
-      <p:nvGrpSpPr>
-        <p:cNvPr id="1" name=""/>
-        <p:cNvGrpSpPr/>
-        <p:nvPr/>
-      </p:nvGrpSpPr>
-      <p:grpSpPr>
-        <a:xfrm>
-          <a:off x="0" y="0"/>
-          <a:ext cx="0" cy="0"/>
-          <a:chOff x="0" y="0"/>
-          <a:chExt cx="0" cy="0"/>
-        </a:xfrm>
-      </p:grpSpPr>
-      <p:sp>
-        <p:nvSpPr>
-          <p:cNvPr id="2" name="Nadpis 1">
-            <a:extLst>
-              <a:ext uri="{FF2B5EF4-FFF2-40B4-BE49-F238E27FC236}">
-                <a16:creationId xmlns:a16="http://schemas.microsoft.com/office/drawing/2014/main" id="{E665B9D1-52E8-4507-8665-A133DD72FA58}"/>
-              </a:ext>
-            </a:extLst>
-          </p:cNvPr>
-          <p:cNvSpPr>
-            <a:spLocks noGrp="1"/>
-          </p:cNvSpPr>
-          <p:nvPr>
-            <p:ph type="title"/>
-          </p:nvPr>
-        </p:nvSpPr>
-        <p:spPr/>
-        <p:txBody>
-          <a:bodyPr/>
-          <a:lstStyle/>
-          <a:p>
-            <a:r>
-              <a:rPr lang="sk-SK" dirty="0"/>
-              <a:t>1. Cieľ aplikácie</a:t>
-            </a:r>
-          </a:p>
-        </p:txBody>
-      </p:sp>
-      <p:sp>
-        <p:nvSpPr>
-          <p:cNvPr id="3" name="Zástupný objekt pre obsah 2">
-            <a:extLst>
-              <a:ext uri="{FF2B5EF4-FFF2-40B4-BE49-F238E27FC236}">
-                <a16:creationId xmlns:a16="http://schemas.microsoft.com/office/drawing/2014/main" id="{9074B751-1DAA-4BA1-98A3-46E2E673116F}"/>
-              </a:ext>
-            </a:extLst>
-          </p:cNvPr>
-          <p:cNvSpPr>
-            <a:spLocks noGrp="1"/>
-          </p:cNvSpPr>
-          <p:nvPr>
-            <p:ph idx="1"/>
-          </p:nvPr>
-        </p:nvSpPr>
-        <p:spPr/>
-        <p:txBody>
-          <a:bodyPr>
-            <a:normAutofit/>
-          </a:bodyPr>
-          <a:lstStyle/>
-          <a:p>
-            <a:pPr lvl="1"/>
-            <a:r>
-              <a:rPr lang="sk-SK" sz="2800" dirty="0"/>
-              <a:t>Kontrolovanie počtu, ceny, druhu a času zakúpených nápojov v podniku</a:t>
-            </a:r>
-          </a:p>
-          <a:p>
-            <a:pPr lvl="1"/>
-            <a:r>
-              <a:rPr lang="sk-SK" sz="2800" dirty="0"/>
-              <a:t>Výpočet promile alkoholu v krvi a čas vytriezvenia</a:t>
-            </a:r>
-          </a:p>
-          <a:p>
-            <a:pPr lvl="1"/>
-            <a:r>
-              <a:rPr lang="sk-SK" sz="2800" dirty="0"/>
-              <a:t>Cieľová skupina – najmä študenti alebo mladí, cca 18-30 rokov</a:t>
-            </a:r>
-          </a:p>
-        </p:txBody>
-      </p:sp>
-    </p:spTree>
-    <p:extLst>
-      <p:ext uri="{BB962C8B-B14F-4D97-AF65-F5344CB8AC3E}">
-        <p14:creationId xmlns:p14="http://schemas.microsoft.com/office/powerpoint/2010/main" val="2329601508"/>
-      </p:ext>
-    </p:extLst>
-  </p:cSld>
-  <p:clrMapOvr>
-    <a:masterClrMapping/>
-  </p:clrMapOvr>
-</p:sld>
-</file>
-
-<file path=ppt/slides/slide5.xml><?xml version="1.0" encoding="utf-8"?>
-<p:sld xmlns:a="http://schemas.openxmlformats.org/drawingml/2006/main" xmlns:r="http://schemas.openxmlformats.org/officeDocument/2006/relationships" xmlns:p="http://schemas.openxmlformats.org/presentationml/2006/main">
-  <p:cSld>
-    <p:spTree>
-      <p:nvGrpSpPr>
-        <p:cNvPr id="1" name=""/>
-        <p:cNvGrpSpPr/>
-        <p:nvPr/>
-      </p:nvGrpSpPr>
-      <p:grpSpPr>
-        <a:xfrm>
-          <a:off x="0" y="0"/>
-          <a:ext cx="0" cy="0"/>
-          <a:chOff x="0" y="0"/>
-          <a:chExt cx="0" cy="0"/>
-        </a:xfrm>
-      </p:grpSpPr>
-      <p:sp>
-        <p:nvSpPr>
-          <p:cNvPr id="2" name="Nadpis 1">
-            <a:extLst>
-              <a:ext uri="{FF2B5EF4-FFF2-40B4-BE49-F238E27FC236}">
-                <a16:creationId xmlns:a16="http://schemas.microsoft.com/office/drawing/2014/main" id="{5F196200-D7F5-4E0B-A005-64C1DACE0FC7}"/>
-              </a:ext>
-            </a:extLst>
-          </p:cNvPr>
-          <p:cNvSpPr>
-            <a:spLocks noGrp="1"/>
-          </p:cNvSpPr>
-          <p:nvPr>
-            <p:ph type="title"/>
-          </p:nvPr>
-        </p:nvSpPr>
-        <p:spPr/>
-        <p:txBody>
-          <a:bodyPr/>
-          <a:lstStyle/>
-          <a:p>
-            <a:r>
-              <a:rPr lang="sk-SK" dirty="0"/>
-              <a:t>2. Postup a popis funkcionality</a:t>
-            </a:r>
-          </a:p>
-        </p:txBody>
-      </p:sp>
-      <p:sp>
-        <p:nvSpPr>
-          <p:cNvPr id="3" name="Zástupný objekt pre obsah 2">
-            <a:extLst>
-              <a:ext uri="{FF2B5EF4-FFF2-40B4-BE49-F238E27FC236}">
-                <a16:creationId xmlns:a16="http://schemas.microsoft.com/office/drawing/2014/main" id="{51CB2A81-DA49-46B6-8100-7A9BDAD04B13}"/>
-              </a:ext>
-            </a:extLst>
-          </p:cNvPr>
-          <p:cNvSpPr>
-            <a:spLocks noGrp="1"/>
-          </p:cNvSpPr>
-          <p:nvPr>
-            <p:ph idx="1"/>
-          </p:nvPr>
-        </p:nvSpPr>
-        <p:spPr/>
-        <p:txBody>
-          <a:bodyPr>
-            <a:normAutofit/>
-          </a:bodyPr>
-          <a:lstStyle/>
-          <a:p>
-            <a:pPr lvl="1"/>
-            <a:r>
-              <a:rPr lang="sk-SK" sz="2800" dirty="0"/>
-              <a:t>Návrh UI</a:t>
-            </a:r>
-          </a:p>
-          <a:p>
-            <a:pPr lvl="1"/>
-            <a:r>
-              <a:rPr lang="sk-SK" sz="2800" dirty="0"/>
-              <a:t>Vytvorenie pár obrazoviek so vzorovými dátami</a:t>
-            </a:r>
-          </a:p>
-          <a:p>
-            <a:pPr lvl="1"/>
-            <a:r>
-              <a:rPr lang="sk-SK" sz="2800" dirty="0"/>
-              <a:t>Iteratívne pridávanie funkcionality</a:t>
-            </a:r>
-          </a:p>
-        </p:txBody>
-      </p:sp>
-    </p:spTree>
-    <p:extLst>
-      <p:ext uri="{BB962C8B-B14F-4D97-AF65-F5344CB8AC3E}">
-        <p14:creationId xmlns:p14="http://schemas.microsoft.com/office/powerpoint/2010/main" val="847657007"/>
-      </p:ext>
-    </p:extLst>
-  </p:cSld>
-  <p:clrMapOvr>
-    <a:masterClrMapping/>
-  </p:clrMapOvr>
-</p:sld>
-</file>
-
-<file path=ppt/slides/slide6.xml><?xml version="1.0" encoding="utf-8"?>
-<p:sld xmlns:a="http://schemas.openxmlformats.org/drawingml/2006/main" xmlns:r="http://schemas.openxmlformats.org/officeDocument/2006/relationships" xmlns:p="http://schemas.openxmlformats.org/presentationml/2006/main">
-  <p:cSld>
-    <p:spTree>
-      <p:nvGrpSpPr>
-        <p:cNvPr id="1" name=""/>
-        <p:cNvGrpSpPr/>
-        <p:nvPr/>
-      </p:nvGrpSpPr>
-      <p:grpSpPr>
-        <a:xfrm>
-          <a:off x="0" y="0"/>
-          <a:ext cx="0" cy="0"/>
-          <a:chOff x="0" y="0"/>
-          <a:chExt cx="0" cy="0"/>
-        </a:xfrm>
-      </p:grpSpPr>
-      <p:sp>
-        <p:nvSpPr>
-          <p:cNvPr id="2" name="Nadpis 1">
-            <a:extLst>
-              <a:ext uri="{FF2B5EF4-FFF2-40B4-BE49-F238E27FC236}">
-                <a16:creationId xmlns:a16="http://schemas.microsoft.com/office/drawing/2014/main" id="{5F196200-D7F5-4E0B-A005-64C1DACE0FC7}"/>
-              </a:ext>
-            </a:extLst>
-          </p:cNvPr>
-          <p:cNvSpPr>
-            <a:spLocks noGrp="1"/>
-          </p:cNvSpPr>
-          <p:nvPr>
-            <p:ph type="title"/>
-          </p:nvPr>
-        </p:nvSpPr>
-        <p:spPr/>
-        <p:txBody>
-          <a:bodyPr/>
-          <a:lstStyle/>
-          <a:p>
-            <a:r>
-              <a:rPr lang="sk-SK" dirty="0"/>
-              <a:t>3. Najväčšie technické problémy</a:t>
-            </a:r>
-          </a:p>
-        </p:txBody>
-      </p:sp>
-      <p:sp>
-        <p:nvSpPr>
-          <p:cNvPr id="3" name="Zástupný objekt pre obsah 2">
-            <a:extLst>
-              <a:ext uri="{FF2B5EF4-FFF2-40B4-BE49-F238E27FC236}">
-                <a16:creationId xmlns:a16="http://schemas.microsoft.com/office/drawing/2014/main" id="{51CB2A81-DA49-46B6-8100-7A9BDAD04B13}"/>
-              </a:ext>
-            </a:extLst>
-          </p:cNvPr>
-          <p:cNvSpPr>
-            <a:spLocks noGrp="1"/>
-          </p:cNvSpPr>
-          <p:nvPr>
-            <p:ph idx="1"/>
-          </p:nvPr>
-        </p:nvSpPr>
-        <p:spPr/>
-        <p:txBody>
-          <a:bodyPr>
-            <a:normAutofit/>
-          </a:bodyPr>
-          <a:lstStyle/>
-          <a:p>
-            <a:pPr lvl="1"/>
-            <a:r>
-              <a:rPr lang="sk-SK" sz="2800" dirty="0"/>
-              <a:t>Vytvorenie správneho dátového modelu</a:t>
-            </a:r>
-          </a:p>
-          <a:p>
-            <a:pPr lvl="1"/>
-            <a:r>
-              <a:rPr lang="sk-SK" sz="2800" dirty="0"/>
-              <a:t>Výber databázovej technológie – Microsoft Entity </a:t>
-            </a:r>
-            <a:r>
-              <a:rPr lang="sk-SK" sz="2800" dirty="0" err="1"/>
-              <a:t>Framework</a:t>
-            </a:r>
-            <a:r>
-              <a:rPr lang="sk-SK" sz="2800" dirty="0"/>
-              <a:t> + </a:t>
-            </a:r>
-            <a:r>
-              <a:rPr lang="sk-SK" sz="2800" dirty="0" err="1"/>
-              <a:t>SQLite</a:t>
-            </a:r>
-            <a:endParaRPr lang="sk-SK" sz="2800" dirty="0"/>
-          </a:p>
-        </p:txBody>
-      </p:sp>
-    </p:spTree>
-    <p:extLst>
-      <p:ext uri="{BB962C8B-B14F-4D97-AF65-F5344CB8AC3E}">
-        <p14:creationId xmlns:p14="http://schemas.microsoft.com/office/powerpoint/2010/main" val="1844586134"/>
-      </p:ext>
-    </p:extLst>
-  </p:cSld>
-  <p:clrMapOvr>
-    <a:masterClrMapping/>
-  </p:clrMapOvr>
-</p:sld>
-</file>
-
-<file path=ppt/slides/slide7.xml><?xml version="1.0" encoding="utf-8"?>
+<file path=ppt/slides/slide10.xml><?xml version="1.0" encoding="utf-8"?>
 <p:sld xmlns:a="http://schemas.openxmlformats.org/drawingml/2006/main" xmlns:r="http://schemas.openxmlformats.org/officeDocument/2006/relationships" xmlns:p="http://schemas.openxmlformats.org/presentationml/2006/main">
   <p:cSld>
     <p:spTree>
@@ -4633,7 +4136,7 @@
 </p:sld>
 </file>
 
-<file path=ppt/slides/slide8.xml><?xml version="1.0" encoding="utf-8"?>
+<file path=ppt/slides/slide11.xml><?xml version="1.0" encoding="utf-8"?>
 <p:sld xmlns:a="http://schemas.openxmlformats.org/drawingml/2006/main" xmlns:r="http://schemas.openxmlformats.org/officeDocument/2006/relationships" xmlns:p="http://schemas.openxmlformats.org/presentationml/2006/main">
   <p:cSld>
     <p:spTree>
@@ -4801,7 +4304,7 @@
 </p:sld>
 </file>
 
-<file path=ppt/slides/slide9.xml><?xml version="1.0" encoding="utf-8"?>
+<file path=ppt/slides/slide12.xml><?xml version="1.0" encoding="utf-8"?>
 <p:sld xmlns:a="http://schemas.openxmlformats.org/drawingml/2006/main" xmlns:r="http://schemas.openxmlformats.org/officeDocument/2006/relationships" xmlns:p="http://schemas.openxmlformats.org/presentationml/2006/main">
   <p:cSld>
     <p:spTree>
@@ -5032,6 +4535,780 @@
     <p:extLst>
       <p:ext uri="{BB962C8B-B14F-4D97-AF65-F5344CB8AC3E}">
         <p14:creationId xmlns:p14="http://schemas.microsoft.com/office/powerpoint/2010/main" val="110504026"/>
+      </p:ext>
+    </p:extLst>
+  </p:cSld>
+  <p:clrMapOvr>
+    <a:masterClrMapping/>
+  </p:clrMapOvr>
+</p:sld>
+</file>
+
+<file path=ppt/slides/slide2.xml><?xml version="1.0" encoding="utf-8"?>
+<p:sld xmlns:a="http://schemas.openxmlformats.org/drawingml/2006/main" xmlns:r="http://schemas.openxmlformats.org/officeDocument/2006/relationships" xmlns:p="http://schemas.openxmlformats.org/presentationml/2006/main">
+  <p:cSld>
+    <p:spTree>
+      <p:nvGrpSpPr>
+        <p:cNvPr id="1" name=""/>
+        <p:cNvGrpSpPr/>
+        <p:nvPr/>
+      </p:nvGrpSpPr>
+      <p:grpSpPr>
+        <a:xfrm>
+          <a:off x="0" y="0"/>
+          <a:ext cx="0" cy="0"/>
+          <a:chOff x="0" y="0"/>
+          <a:chExt cx="0" cy="0"/>
+        </a:xfrm>
+      </p:grpSpPr>
+      <p:sp>
+        <p:nvSpPr>
+          <p:cNvPr id="2" name="Nadpis 1">
+            <a:extLst>
+              <a:ext uri="{FF2B5EF4-FFF2-40B4-BE49-F238E27FC236}">
+                <a16:creationId xmlns:a16="http://schemas.microsoft.com/office/drawing/2014/main" id="{E665B9D1-52E8-4507-8665-A133DD72FA58}"/>
+              </a:ext>
+            </a:extLst>
+          </p:cNvPr>
+          <p:cNvSpPr>
+            <a:spLocks noGrp="1"/>
+          </p:cNvSpPr>
+          <p:nvPr>
+            <p:ph type="title"/>
+          </p:nvPr>
+        </p:nvSpPr>
+        <p:spPr/>
+        <p:txBody>
+          <a:bodyPr/>
+          <a:lstStyle/>
+          <a:p>
+            <a:r>
+              <a:rPr lang="sk-SK" dirty="0"/>
+              <a:t>1. Cieľ aplikácie</a:t>
+            </a:r>
+          </a:p>
+        </p:txBody>
+      </p:sp>
+      <p:sp>
+        <p:nvSpPr>
+          <p:cNvPr id="3" name="Zástupný objekt pre obsah 2">
+            <a:extLst>
+              <a:ext uri="{FF2B5EF4-FFF2-40B4-BE49-F238E27FC236}">
+                <a16:creationId xmlns:a16="http://schemas.microsoft.com/office/drawing/2014/main" id="{9074B751-1DAA-4BA1-98A3-46E2E673116F}"/>
+              </a:ext>
+            </a:extLst>
+          </p:cNvPr>
+          <p:cNvSpPr>
+            <a:spLocks noGrp="1"/>
+          </p:cNvSpPr>
+          <p:nvPr>
+            <p:ph idx="1"/>
+          </p:nvPr>
+        </p:nvSpPr>
+        <p:spPr/>
+        <p:txBody>
+          <a:bodyPr>
+            <a:normAutofit/>
+          </a:bodyPr>
+          <a:lstStyle/>
+          <a:p>
+            <a:pPr lvl="1"/>
+            <a:r>
+              <a:rPr lang="sk-SK" sz="2800" dirty="0"/>
+              <a:t>Kontrolovanie počtu, ceny, druhu a času zakúpených nápojov v podniku</a:t>
+            </a:r>
+          </a:p>
+        </p:txBody>
+      </p:sp>
+    </p:spTree>
+    <p:extLst>
+      <p:ext uri="{BB962C8B-B14F-4D97-AF65-F5344CB8AC3E}">
+        <p14:creationId xmlns:p14="http://schemas.microsoft.com/office/powerpoint/2010/main" val="4238303854"/>
+      </p:ext>
+    </p:extLst>
+  </p:cSld>
+  <p:clrMapOvr>
+    <a:masterClrMapping/>
+  </p:clrMapOvr>
+</p:sld>
+</file>
+
+<file path=ppt/slides/slide3.xml><?xml version="1.0" encoding="utf-8"?>
+<p:sld xmlns:a="http://schemas.openxmlformats.org/drawingml/2006/main" xmlns:r="http://schemas.openxmlformats.org/officeDocument/2006/relationships" xmlns:p="http://schemas.openxmlformats.org/presentationml/2006/main">
+  <p:cSld>
+    <p:spTree>
+      <p:nvGrpSpPr>
+        <p:cNvPr id="1" name=""/>
+        <p:cNvGrpSpPr/>
+        <p:nvPr/>
+      </p:nvGrpSpPr>
+      <p:grpSpPr>
+        <a:xfrm>
+          <a:off x="0" y="0"/>
+          <a:ext cx="0" cy="0"/>
+          <a:chOff x="0" y="0"/>
+          <a:chExt cx="0" cy="0"/>
+        </a:xfrm>
+      </p:grpSpPr>
+      <p:sp>
+        <p:nvSpPr>
+          <p:cNvPr id="2" name="Nadpis 1">
+            <a:extLst>
+              <a:ext uri="{FF2B5EF4-FFF2-40B4-BE49-F238E27FC236}">
+                <a16:creationId xmlns:a16="http://schemas.microsoft.com/office/drawing/2014/main" id="{E665B9D1-52E8-4507-8665-A133DD72FA58}"/>
+              </a:ext>
+            </a:extLst>
+          </p:cNvPr>
+          <p:cNvSpPr>
+            <a:spLocks noGrp="1"/>
+          </p:cNvSpPr>
+          <p:nvPr>
+            <p:ph type="title"/>
+          </p:nvPr>
+        </p:nvSpPr>
+        <p:spPr/>
+        <p:txBody>
+          <a:bodyPr/>
+          <a:lstStyle/>
+          <a:p>
+            <a:r>
+              <a:rPr lang="sk-SK" dirty="0"/>
+              <a:t>1. Cieľ aplikácie</a:t>
+            </a:r>
+          </a:p>
+        </p:txBody>
+      </p:sp>
+      <p:sp>
+        <p:nvSpPr>
+          <p:cNvPr id="3" name="Zástupný objekt pre obsah 2">
+            <a:extLst>
+              <a:ext uri="{FF2B5EF4-FFF2-40B4-BE49-F238E27FC236}">
+                <a16:creationId xmlns:a16="http://schemas.microsoft.com/office/drawing/2014/main" id="{9074B751-1DAA-4BA1-98A3-46E2E673116F}"/>
+              </a:ext>
+            </a:extLst>
+          </p:cNvPr>
+          <p:cNvSpPr>
+            <a:spLocks noGrp="1"/>
+          </p:cNvSpPr>
+          <p:nvPr>
+            <p:ph idx="1"/>
+          </p:nvPr>
+        </p:nvSpPr>
+        <p:spPr/>
+        <p:txBody>
+          <a:bodyPr>
+            <a:normAutofit/>
+          </a:bodyPr>
+          <a:lstStyle/>
+          <a:p>
+            <a:pPr lvl="1"/>
+            <a:r>
+              <a:rPr lang="sk-SK" sz="2800" dirty="0"/>
+              <a:t>Kontrolovanie počtu, ceny, druhu a času zakúpených nápojov v podniku</a:t>
+            </a:r>
+          </a:p>
+          <a:p>
+            <a:pPr lvl="1"/>
+            <a:r>
+              <a:rPr lang="sk-SK" sz="2800" dirty="0"/>
+              <a:t>Výpočet promile alkoholu v krvi a čas vytriezvenia</a:t>
+            </a:r>
+          </a:p>
+        </p:txBody>
+      </p:sp>
+    </p:spTree>
+    <p:extLst>
+      <p:ext uri="{BB962C8B-B14F-4D97-AF65-F5344CB8AC3E}">
+        <p14:creationId xmlns:p14="http://schemas.microsoft.com/office/powerpoint/2010/main" val="2891544656"/>
+      </p:ext>
+    </p:extLst>
+  </p:cSld>
+  <p:clrMapOvr>
+    <a:masterClrMapping/>
+  </p:clrMapOvr>
+</p:sld>
+</file>
+
+<file path=ppt/slides/slide4.xml><?xml version="1.0" encoding="utf-8"?>
+<p:sld xmlns:a="http://schemas.openxmlformats.org/drawingml/2006/main" xmlns:r="http://schemas.openxmlformats.org/officeDocument/2006/relationships" xmlns:p="http://schemas.openxmlformats.org/presentationml/2006/main">
+  <p:cSld>
+    <p:spTree>
+      <p:nvGrpSpPr>
+        <p:cNvPr id="1" name=""/>
+        <p:cNvGrpSpPr/>
+        <p:nvPr/>
+      </p:nvGrpSpPr>
+      <p:grpSpPr>
+        <a:xfrm>
+          <a:off x="0" y="0"/>
+          <a:ext cx="0" cy="0"/>
+          <a:chOff x="0" y="0"/>
+          <a:chExt cx="0" cy="0"/>
+        </a:xfrm>
+      </p:grpSpPr>
+      <p:sp>
+        <p:nvSpPr>
+          <p:cNvPr id="2" name="Nadpis 1">
+            <a:extLst>
+              <a:ext uri="{FF2B5EF4-FFF2-40B4-BE49-F238E27FC236}">
+                <a16:creationId xmlns:a16="http://schemas.microsoft.com/office/drawing/2014/main" id="{E665B9D1-52E8-4507-8665-A133DD72FA58}"/>
+              </a:ext>
+            </a:extLst>
+          </p:cNvPr>
+          <p:cNvSpPr>
+            <a:spLocks noGrp="1"/>
+          </p:cNvSpPr>
+          <p:nvPr>
+            <p:ph type="title"/>
+          </p:nvPr>
+        </p:nvSpPr>
+        <p:spPr/>
+        <p:txBody>
+          <a:bodyPr/>
+          <a:lstStyle/>
+          <a:p>
+            <a:r>
+              <a:rPr lang="sk-SK" dirty="0"/>
+              <a:t>1. Cieľ aplikácie</a:t>
+            </a:r>
+          </a:p>
+        </p:txBody>
+      </p:sp>
+      <p:sp>
+        <p:nvSpPr>
+          <p:cNvPr id="3" name="Zástupný objekt pre obsah 2">
+            <a:extLst>
+              <a:ext uri="{FF2B5EF4-FFF2-40B4-BE49-F238E27FC236}">
+                <a16:creationId xmlns:a16="http://schemas.microsoft.com/office/drawing/2014/main" id="{9074B751-1DAA-4BA1-98A3-46E2E673116F}"/>
+              </a:ext>
+            </a:extLst>
+          </p:cNvPr>
+          <p:cNvSpPr>
+            <a:spLocks noGrp="1"/>
+          </p:cNvSpPr>
+          <p:nvPr>
+            <p:ph idx="1"/>
+          </p:nvPr>
+        </p:nvSpPr>
+        <p:spPr/>
+        <p:txBody>
+          <a:bodyPr>
+            <a:normAutofit/>
+          </a:bodyPr>
+          <a:lstStyle/>
+          <a:p>
+            <a:pPr lvl="1"/>
+            <a:r>
+              <a:rPr lang="sk-SK" sz="2800" dirty="0"/>
+              <a:t>Kontrolovanie počtu, ceny, druhu a času zakúpených nápojov v podniku</a:t>
+            </a:r>
+          </a:p>
+          <a:p>
+            <a:pPr lvl="1"/>
+            <a:r>
+              <a:rPr lang="sk-SK" sz="2800" dirty="0"/>
+              <a:t>Výpočet promile alkoholu v krvi a čas vytriezvenia</a:t>
+            </a:r>
+          </a:p>
+          <a:p>
+            <a:pPr lvl="1"/>
+            <a:r>
+              <a:rPr lang="sk-SK" sz="2800" dirty="0"/>
+              <a:t>Cieľová skupina – najmä študenti alebo mladí, cca 18-30 rokov</a:t>
+            </a:r>
+          </a:p>
+        </p:txBody>
+      </p:sp>
+    </p:spTree>
+    <p:extLst>
+      <p:ext uri="{BB962C8B-B14F-4D97-AF65-F5344CB8AC3E}">
+        <p14:creationId xmlns:p14="http://schemas.microsoft.com/office/powerpoint/2010/main" val="2329601508"/>
+      </p:ext>
+    </p:extLst>
+  </p:cSld>
+  <p:clrMapOvr>
+    <a:masterClrMapping/>
+  </p:clrMapOvr>
+</p:sld>
+</file>
+
+<file path=ppt/slides/slide5.xml><?xml version="1.0" encoding="utf-8"?>
+<p:sld xmlns:a="http://schemas.openxmlformats.org/drawingml/2006/main" xmlns:r="http://schemas.openxmlformats.org/officeDocument/2006/relationships" xmlns:p="http://schemas.openxmlformats.org/presentationml/2006/main">
+  <p:cSld>
+    <p:spTree>
+      <p:nvGrpSpPr>
+        <p:cNvPr id="1" name=""/>
+        <p:cNvGrpSpPr/>
+        <p:nvPr/>
+      </p:nvGrpSpPr>
+      <p:grpSpPr>
+        <a:xfrm>
+          <a:off x="0" y="0"/>
+          <a:ext cx="0" cy="0"/>
+          <a:chOff x="0" y="0"/>
+          <a:chExt cx="0" cy="0"/>
+        </a:xfrm>
+      </p:grpSpPr>
+      <p:sp>
+        <p:nvSpPr>
+          <p:cNvPr id="2" name="Nadpis 1">
+            <a:extLst>
+              <a:ext uri="{FF2B5EF4-FFF2-40B4-BE49-F238E27FC236}">
+                <a16:creationId xmlns:a16="http://schemas.microsoft.com/office/drawing/2014/main" id="{5F196200-D7F5-4E0B-A005-64C1DACE0FC7}"/>
+              </a:ext>
+            </a:extLst>
+          </p:cNvPr>
+          <p:cNvSpPr>
+            <a:spLocks noGrp="1"/>
+          </p:cNvSpPr>
+          <p:nvPr>
+            <p:ph type="title"/>
+          </p:nvPr>
+        </p:nvSpPr>
+        <p:spPr/>
+        <p:txBody>
+          <a:bodyPr/>
+          <a:lstStyle/>
+          <a:p>
+            <a:r>
+              <a:rPr lang="sk-SK" dirty="0"/>
+              <a:t>2. Postup a popis funkcionality</a:t>
+            </a:r>
+          </a:p>
+        </p:txBody>
+      </p:sp>
+      <p:sp>
+        <p:nvSpPr>
+          <p:cNvPr id="3" name="Zástupný objekt pre obsah 2">
+            <a:extLst>
+              <a:ext uri="{FF2B5EF4-FFF2-40B4-BE49-F238E27FC236}">
+                <a16:creationId xmlns:a16="http://schemas.microsoft.com/office/drawing/2014/main" id="{51CB2A81-DA49-46B6-8100-7A9BDAD04B13}"/>
+              </a:ext>
+            </a:extLst>
+          </p:cNvPr>
+          <p:cNvSpPr>
+            <a:spLocks noGrp="1"/>
+          </p:cNvSpPr>
+          <p:nvPr>
+            <p:ph idx="1"/>
+          </p:nvPr>
+        </p:nvSpPr>
+        <p:spPr/>
+        <p:txBody>
+          <a:bodyPr>
+            <a:normAutofit/>
+          </a:bodyPr>
+          <a:lstStyle/>
+          <a:p>
+            <a:pPr lvl="1"/>
+            <a:r>
+              <a:rPr lang="sk-SK" sz="2800" dirty="0"/>
+              <a:t>Návrh UI</a:t>
+            </a:r>
+          </a:p>
+        </p:txBody>
+      </p:sp>
+    </p:spTree>
+    <p:extLst>
+      <p:ext uri="{BB962C8B-B14F-4D97-AF65-F5344CB8AC3E}">
+        <p14:creationId xmlns:p14="http://schemas.microsoft.com/office/powerpoint/2010/main" val="847657007"/>
+      </p:ext>
+    </p:extLst>
+  </p:cSld>
+  <p:clrMapOvr>
+    <a:masterClrMapping/>
+  </p:clrMapOvr>
+</p:sld>
+</file>
+
+<file path=ppt/slides/slide6.xml><?xml version="1.0" encoding="utf-8"?>
+<p:sld xmlns:a="http://schemas.openxmlformats.org/drawingml/2006/main" xmlns:r="http://schemas.openxmlformats.org/officeDocument/2006/relationships" xmlns:p="http://schemas.openxmlformats.org/presentationml/2006/main">
+  <p:cSld>
+    <p:spTree>
+      <p:nvGrpSpPr>
+        <p:cNvPr id="1" name=""/>
+        <p:cNvGrpSpPr/>
+        <p:nvPr/>
+      </p:nvGrpSpPr>
+      <p:grpSpPr>
+        <a:xfrm>
+          <a:off x="0" y="0"/>
+          <a:ext cx="0" cy="0"/>
+          <a:chOff x="0" y="0"/>
+          <a:chExt cx="0" cy="0"/>
+        </a:xfrm>
+      </p:grpSpPr>
+      <p:sp>
+        <p:nvSpPr>
+          <p:cNvPr id="2" name="Nadpis 1">
+            <a:extLst>
+              <a:ext uri="{FF2B5EF4-FFF2-40B4-BE49-F238E27FC236}">
+                <a16:creationId xmlns:a16="http://schemas.microsoft.com/office/drawing/2014/main" id="{5F196200-D7F5-4E0B-A005-64C1DACE0FC7}"/>
+              </a:ext>
+            </a:extLst>
+          </p:cNvPr>
+          <p:cNvSpPr>
+            <a:spLocks noGrp="1"/>
+          </p:cNvSpPr>
+          <p:nvPr>
+            <p:ph type="title"/>
+          </p:nvPr>
+        </p:nvSpPr>
+        <p:spPr/>
+        <p:txBody>
+          <a:bodyPr/>
+          <a:lstStyle/>
+          <a:p>
+            <a:r>
+              <a:rPr lang="sk-SK" dirty="0"/>
+              <a:t>2. Postup a popis funkcionality</a:t>
+            </a:r>
+          </a:p>
+        </p:txBody>
+      </p:sp>
+      <p:sp>
+        <p:nvSpPr>
+          <p:cNvPr id="3" name="Zástupný objekt pre obsah 2">
+            <a:extLst>
+              <a:ext uri="{FF2B5EF4-FFF2-40B4-BE49-F238E27FC236}">
+                <a16:creationId xmlns:a16="http://schemas.microsoft.com/office/drawing/2014/main" id="{51CB2A81-DA49-46B6-8100-7A9BDAD04B13}"/>
+              </a:ext>
+            </a:extLst>
+          </p:cNvPr>
+          <p:cNvSpPr>
+            <a:spLocks noGrp="1"/>
+          </p:cNvSpPr>
+          <p:nvPr>
+            <p:ph idx="1"/>
+          </p:nvPr>
+        </p:nvSpPr>
+        <p:spPr/>
+        <p:txBody>
+          <a:bodyPr>
+            <a:normAutofit/>
+          </a:bodyPr>
+          <a:lstStyle/>
+          <a:p>
+            <a:pPr lvl="1"/>
+            <a:r>
+              <a:rPr lang="sk-SK" sz="2800" dirty="0"/>
+              <a:t>Návrh UI</a:t>
+            </a:r>
+          </a:p>
+          <a:p>
+            <a:pPr lvl="1"/>
+            <a:r>
+              <a:rPr lang="sk-SK" sz="2800" dirty="0"/>
+              <a:t>Vytvorenie pár obrazoviek so vzorovými dátami</a:t>
+            </a:r>
+          </a:p>
+        </p:txBody>
+      </p:sp>
+    </p:spTree>
+    <p:extLst>
+      <p:ext uri="{BB962C8B-B14F-4D97-AF65-F5344CB8AC3E}">
+        <p14:creationId xmlns:p14="http://schemas.microsoft.com/office/powerpoint/2010/main" val="4269260401"/>
+      </p:ext>
+    </p:extLst>
+  </p:cSld>
+  <p:clrMapOvr>
+    <a:masterClrMapping/>
+  </p:clrMapOvr>
+</p:sld>
+</file>
+
+<file path=ppt/slides/slide7.xml><?xml version="1.0" encoding="utf-8"?>
+<p:sld xmlns:a="http://schemas.openxmlformats.org/drawingml/2006/main" xmlns:r="http://schemas.openxmlformats.org/officeDocument/2006/relationships" xmlns:p="http://schemas.openxmlformats.org/presentationml/2006/main">
+  <p:cSld>
+    <p:spTree>
+      <p:nvGrpSpPr>
+        <p:cNvPr id="1" name=""/>
+        <p:cNvGrpSpPr/>
+        <p:nvPr/>
+      </p:nvGrpSpPr>
+      <p:grpSpPr>
+        <a:xfrm>
+          <a:off x="0" y="0"/>
+          <a:ext cx="0" cy="0"/>
+          <a:chOff x="0" y="0"/>
+          <a:chExt cx="0" cy="0"/>
+        </a:xfrm>
+      </p:grpSpPr>
+      <p:sp>
+        <p:nvSpPr>
+          <p:cNvPr id="2" name="Nadpis 1">
+            <a:extLst>
+              <a:ext uri="{FF2B5EF4-FFF2-40B4-BE49-F238E27FC236}">
+                <a16:creationId xmlns:a16="http://schemas.microsoft.com/office/drawing/2014/main" id="{5F196200-D7F5-4E0B-A005-64C1DACE0FC7}"/>
+              </a:ext>
+            </a:extLst>
+          </p:cNvPr>
+          <p:cNvSpPr>
+            <a:spLocks noGrp="1"/>
+          </p:cNvSpPr>
+          <p:nvPr>
+            <p:ph type="title"/>
+          </p:nvPr>
+        </p:nvSpPr>
+        <p:spPr/>
+        <p:txBody>
+          <a:bodyPr/>
+          <a:lstStyle/>
+          <a:p>
+            <a:r>
+              <a:rPr lang="sk-SK" dirty="0"/>
+              <a:t>2. Postup a popis funkcionality</a:t>
+            </a:r>
+          </a:p>
+        </p:txBody>
+      </p:sp>
+      <p:sp>
+        <p:nvSpPr>
+          <p:cNvPr id="3" name="Zástupný objekt pre obsah 2">
+            <a:extLst>
+              <a:ext uri="{FF2B5EF4-FFF2-40B4-BE49-F238E27FC236}">
+                <a16:creationId xmlns:a16="http://schemas.microsoft.com/office/drawing/2014/main" id="{51CB2A81-DA49-46B6-8100-7A9BDAD04B13}"/>
+              </a:ext>
+            </a:extLst>
+          </p:cNvPr>
+          <p:cNvSpPr>
+            <a:spLocks noGrp="1"/>
+          </p:cNvSpPr>
+          <p:nvPr>
+            <p:ph idx="1"/>
+          </p:nvPr>
+        </p:nvSpPr>
+        <p:spPr/>
+        <p:txBody>
+          <a:bodyPr>
+            <a:normAutofit/>
+          </a:bodyPr>
+          <a:lstStyle/>
+          <a:p>
+            <a:pPr lvl="1"/>
+            <a:r>
+              <a:rPr lang="sk-SK" sz="2800" dirty="0"/>
+              <a:t>Návrh UI</a:t>
+            </a:r>
+          </a:p>
+          <a:p>
+            <a:pPr lvl="1"/>
+            <a:r>
+              <a:rPr lang="sk-SK" sz="2800" dirty="0"/>
+              <a:t>Vytvorenie pár obrazoviek so vzorovými dátami</a:t>
+            </a:r>
+          </a:p>
+          <a:p>
+            <a:pPr lvl="1"/>
+            <a:r>
+              <a:rPr lang="sk-SK" sz="2800" dirty="0"/>
+              <a:t>Iteratívne pridávanie funkcionality</a:t>
+            </a:r>
+          </a:p>
+        </p:txBody>
+      </p:sp>
+    </p:spTree>
+    <p:extLst>
+      <p:ext uri="{BB962C8B-B14F-4D97-AF65-F5344CB8AC3E}">
+        <p14:creationId xmlns:p14="http://schemas.microsoft.com/office/powerpoint/2010/main" val="2545766169"/>
+      </p:ext>
+    </p:extLst>
+  </p:cSld>
+  <p:clrMapOvr>
+    <a:masterClrMapping/>
+  </p:clrMapOvr>
+</p:sld>
+</file>
+
+<file path=ppt/slides/slide8.xml><?xml version="1.0" encoding="utf-8"?>
+<p:sld xmlns:a="http://schemas.openxmlformats.org/drawingml/2006/main" xmlns:r="http://schemas.openxmlformats.org/officeDocument/2006/relationships" xmlns:p="http://schemas.openxmlformats.org/presentationml/2006/main">
+  <p:cSld>
+    <p:spTree>
+      <p:nvGrpSpPr>
+        <p:cNvPr id="1" name=""/>
+        <p:cNvGrpSpPr/>
+        <p:nvPr/>
+      </p:nvGrpSpPr>
+      <p:grpSpPr>
+        <a:xfrm>
+          <a:off x="0" y="0"/>
+          <a:ext cx="0" cy="0"/>
+          <a:chOff x="0" y="0"/>
+          <a:chExt cx="0" cy="0"/>
+        </a:xfrm>
+      </p:grpSpPr>
+      <p:sp>
+        <p:nvSpPr>
+          <p:cNvPr id="2" name="Nadpis 1">
+            <a:extLst>
+              <a:ext uri="{FF2B5EF4-FFF2-40B4-BE49-F238E27FC236}">
+                <a16:creationId xmlns:a16="http://schemas.microsoft.com/office/drawing/2014/main" id="{5F196200-D7F5-4E0B-A005-64C1DACE0FC7}"/>
+              </a:ext>
+            </a:extLst>
+          </p:cNvPr>
+          <p:cNvSpPr>
+            <a:spLocks noGrp="1"/>
+          </p:cNvSpPr>
+          <p:nvPr>
+            <p:ph type="title"/>
+          </p:nvPr>
+        </p:nvSpPr>
+        <p:spPr/>
+        <p:txBody>
+          <a:bodyPr/>
+          <a:lstStyle/>
+          <a:p>
+            <a:r>
+              <a:rPr lang="sk-SK" dirty="0"/>
+              <a:t>3. Najväčšie technické problémy</a:t>
+            </a:r>
+          </a:p>
+        </p:txBody>
+      </p:sp>
+      <p:sp>
+        <p:nvSpPr>
+          <p:cNvPr id="3" name="Zástupný objekt pre obsah 2">
+            <a:extLst>
+              <a:ext uri="{FF2B5EF4-FFF2-40B4-BE49-F238E27FC236}">
+                <a16:creationId xmlns:a16="http://schemas.microsoft.com/office/drawing/2014/main" id="{51CB2A81-DA49-46B6-8100-7A9BDAD04B13}"/>
+              </a:ext>
+            </a:extLst>
+          </p:cNvPr>
+          <p:cNvSpPr>
+            <a:spLocks noGrp="1"/>
+          </p:cNvSpPr>
+          <p:nvPr>
+            <p:ph idx="1"/>
+          </p:nvPr>
+        </p:nvSpPr>
+        <p:spPr/>
+        <p:txBody>
+          <a:bodyPr>
+            <a:normAutofit/>
+          </a:bodyPr>
+          <a:lstStyle/>
+          <a:p>
+            <a:pPr lvl="1"/>
+            <a:r>
+              <a:rPr lang="sk-SK" sz="2800" dirty="0"/>
+              <a:t>Vytvorenie správneho dátového modelu</a:t>
+            </a:r>
+          </a:p>
+          <a:p>
+            <a:pPr lvl="1"/>
+            <a:r>
+              <a:rPr lang="sk-SK" sz="2800" dirty="0"/>
+              <a:t>Výber databázovej technológie – Microsoft Entity </a:t>
+            </a:r>
+            <a:r>
+              <a:rPr lang="sk-SK" sz="2800" dirty="0" err="1"/>
+              <a:t>Framework</a:t>
+            </a:r>
+            <a:r>
+              <a:rPr lang="sk-SK" sz="2800" dirty="0"/>
+              <a:t> + </a:t>
+            </a:r>
+            <a:r>
+              <a:rPr lang="sk-SK" sz="2800" dirty="0" err="1"/>
+              <a:t>SQLite</a:t>
+            </a:r>
+            <a:endParaRPr lang="sk-SK" sz="2800" dirty="0"/>
+          </a:p>
+        </p:txBody>
+      </p:sp>
+    </p:spTree>
+    <p:extLst>
+      <p:ext uri="{BB962C8B-B14F-4D97-AF65-F5344CB8AC3E}">
+        <p14:creationId xmlns:p14="http://schemas.microsoft.com/office/powerpoint/2010/main" val="1844586134"/>
+      </p:ext>
+    </p:extLst>
+  </p:cSld>
+  <p:clrMapOvr>
+    <a:masterClrMapping/>
+  </p:clrMapOvr>
+</p:sld>
+</file>
+
+<file path=ppt/slides/slide9.xml><?xml version="1.0" encoding="utf-8"?>
+<p:sld xmlns:a="http://schemas.openxmlformats.org/drawingml/2006/main" xmlns:r="http://schemas.openxmlformats.org/officeDocument/2006/relationships" xmlns:p="http://schemas.openxmlformats.org/presentationml/2006/main">
+  <p:cSld>
+    <p:spTree>
+      <p:nvGrpSpPr>
+        <p:cNvPr id="1" name=""/>
+        <p:cNvGrpSpPr/>
+        <p:nvPr/>
+      </p:nvGrpSpPr>
+      <p:grpSpPr>
+        <a:xfrm>
+          <a:off x="0" y="0"/>
+          <a:ext cx="0" cy="0"/>
+          <a:chOff x="0" y="0"/>
+          <a:chExt cx="0" cy="0"/>
+        </a:xfrm>
+      </p:grpSpPr>
+      <p:sp>
+        <p:nvSpPr>
+          <p:cNvPr id="2" name="Nadpis 1">
+            <a:extLst>
+              <a:ext uri="{FF2B5EF4-FFF2-40B4-BE49-F238E27FC236}">
+                <a16:creationId xmlns:a16="http://schemas.microsoft.com/office/drawing/2014/main" id="{5F196200-D7F5-4E0B-A005-64C1DACE0FC7}"/>
+              </a:ext>
+            </a:extLst>
+          </p:cNvPr>
+          <p:cNvSpPr>
+            <a:spLocks noGrp="1"/>
+          </p:cNvSpPr>
+          <p:nvPr>
+            <p:ph type="title"/>
+          </p:nvPr>
+        </p:nvSpPr>
+        <p:spPr/>
+        <p:txBody>
+          <a:bodyPr/>
+          <a:lstStyle/>
+          <a:p>
+            <a:r>
+              <a:rPr lang="sk-SK" dirty="0"/>
+              <a:t>3. Najväčšie technické problémy</a:t>
+            </a:r>
+          </a:p>
+        </p:txBody>
+      </p:sp>
+      <p:sp>
+        <p:nvSpPr>
+          <p:cNvPr id="3" name="Zástupný objekt pre obsah 2">
+            <a:extLst>
+              <a:ext uri="{FF2B5EF4-FFF2-40B4-BE49-F238E27FC236}">
+                <a16:creationId xmlns:a16="http://schemas.microsoft.com/office/drawing/2014/main" id="{51CB2A81-DA49-46B6-8100-7A9BDAD04B13}"/>
+              </a:ext>
+            </a:extLst>
+          </p:cNvPr>
+          <p:cNvSpPr>
+            <a:spLocks noGrp="1"/>
+          </p:cNvSpPr>
+          <p:nvPr>
+            <p:ph idx="1"/>
+          </p:nvPr>
+        </p:nvSpPr>
+        <p:spPr/>
+        <p:txBody>
+          <a:bodyPr>
+            <a:normAutofit/>
+          </a:bodyPr>
+          <a:lstStyle/>
+          <a:p>
+            <a:pPr lvl="1"/>
+            <a:r>
+              <a:rPr lang="sk-SK" sz="2800" dirty="0"/>
+              <a:t>Vytvorenie správneho dátového modelu</a:t>
+            </a:r>
+          </a:p>
+        </p:txBody>
+      </p:sp>
+    </p:spTree>
+    <p:extLst>
+      <p:ext uri="{BB962C8B-B14F-4D97-AF65-F5344CB8AC3E}">
+        <p14:creationId xmlns:p14="http://schemas.microsoft.com/office/powerpoint/2010/main" val="3476974474"/>
       </p:ext>
     </p:extLst>
   </p:cSld>

--- a/Presentation/Drink Tracker.pptx
+++ b/Presentation/Drink Tracker.pptx
@@ -9,14 +9,19 @@
     <p:sldId id="257" r:id="rId3"/>
     <p:sldId id="258" r:id="rId4"/>
     <p:sldId id="259" r:id="rId5"/>
-    <p:sldId id="263" r:id="rId6"/>
-    <p:sldId id="266" r:id="rId7"/>
-    <p:sldId id="267" r:id="rId8"/>
-    <p:sldId id="265" r:id="rId9"/>
-    <p:sldId id="268" r:id="rId10"/>
-    <p:sldId id="260" r:id="rId11"/>
-    <p:sldId id="262" r:id="rId12"/>
-    <p:sldId id="264" r:id="rId13"/>
+    <p:sldId id="267" r:id="rId6"/>
+    <p:sldId id="269" r:id="rId7"/>
+    <p:sldId id="270" r:id="rId8"/>
+    <p:sldId id="271" r:id="rId9"/>
+    <p:sldId id="272" r:id="rId10"/>
+    <p:sldId id="273" r:id="rId11"/>
+    <p:sldId id="274" r:id="rId12"/>
+    <p:sldId id="268" r:id="rId13"/>
+    <p:sldId id="265" r:id="rId14"/>
+    <p:sldId id="275" r:id="rId15"/>
+    <p:sldId id="260" r:id="rId16"/>
+    <p:sldId id="262" r:id="rId17"/>
+    <p:sldId id="264" r:id="rId18"/>
   </p:sldIdLst>
   <p:sldSz cx="12192000" cy="6858000"/>
   <p:notesSz cx="6858000" cy="9144000"/>
@@ -353,7 +358,7 @@
           <a:p>
             <a:fld id="{3A033566-54F0-4EED-BD9E-7172E2C67460}" type="datetimeFigureOut">
               <a:rPr lang="sk-SK" smtClean="0"/>
-              <a:t>6.6.2017</a:t>
+              <a:t>6. 6. 2017</a:t>
             </a:fld>
             <a:endParaRPr lang="sk-SK"/>
           </a:p>
@@ -561,7 +566,7 @@
           <a:p>
             <a:fld id="{3A033566-54F0-4EED-BD9E-7172E2C67460}" type="datetimeFigureOut">
               <a:rPr lang="sk-SK" smtClean="0"/>
-              <a:t>6.6.2017</a:t>
+              <a:t>6. 6. 2017</a:t>
             </a:fld>
             <a:endParaRPr lang="sk-SK"/>
           </a:p>
@@ -817,7 +822,7 @@
           <a:p>
             <a:fld id="{3A033566-54F0-4EED-BD9E-7172E2C67460}" type="datetimeFigureOut">
               <a:rPr lang="sk-SK" smtClean="0"/>
-              <a:t>6.6.2017</a:t>
+              <a:t>6. 6. 2017</a:t>
             </a:fld>
             <a:endParaRPr lang="sk-SK"/>
           </a:p>
@@ -991,7 +996,7 @@
           <a:p>
             <a:fld id="{3A033566-54F0-4EED-BD9E-7172E2C67460}" type="datetimeFigureOut">
               <a:rPr lang="sk-SK" smtClean="0"/>
-              <a:t>6.6.2017</a:t>
+              <a:t>6. 6. 2017</a:t>
             </a:fld>
             <a:endParaRPr lang="sk-SK"/>
           </a:p>
@@ -1334,7 +1339,7 @@
           <a:p>
             <a:fld id="{3A033566-54F0-4EED-BD9E-7172E2C67460}" type="datetimeFigureOut">
               <a:rPr lang="sk-SK" smtClean="0"/>
-              <a:t>6.6.2017</a:t>
+              <a:t>6. 6. 2017</a:t>
             </a:fld>
             <a:endParaRPr lang="sk-SK"/>
           </a:p>
@@ -1609,7 +1614,7 @@
           <a:p>
             <a:fld id="{3A033566-54F0-4EED-BD9E-7172E2C67460}" type="datetimeFigureOut">
               <a:rPr lang="sk-SK" smtClean="0"/>
-              <a:t>6.6.2017</a:t>
+              <a:t>6. 6. 2017</a:t>
             </a:fld>
             <a:endParaRPr lang="sk-SK"/>
           </a:p>
@@ -1988,7 +1993,7 @@
           <a:p>
             <a:fld id="{3A033566-54F0-4EED-BD9E-7172E2C67460}" type="datetimeFigureOut">
               <a:rPr lang="sk-SK" smtClean="0"/>
-              <a:t>6.6.2017</a:t>
+              <a:t>6. 6. 2017</a:t>
             </a:fld>
             <a:endParaRPr lang="sk-SK"/>
           </a:p>
@@ -2106,7 +2111,7 @@
           <a:p>
             <a:fld id="{3A033566-54F0-4EED-BD9E-7172E2C67460}" type="datetimeFigureOut">
               <a:rPr lang="sk-SK" smtClean="0"/>
-              <a:t>6.6.2017</a:t>
+              <a:t>6. 6. 2017</a:t>
             </a:fld>
             <a:endParaRPr lang="sk-SK"/>
           </a:p>
@@ -2277,7 +2282,7 @@
           <a:p>
             <a:fld id="{3A033566-54F0-4EED-BD9E-7172E2C67460}" type="datetimeFigureOut">
               <a:rPr lang="sk-SK" smtClean="0"/>
-              <a:t>6.6.2017</a:t>
+              <a:t>6. 6. 2017</a:t>
             </a:fld>
             <a:endParaRPr lang="sk-SK"/>
           </a:p>
@@ -2631,7 +2636,7 @@
           <a:p>
             <a:fld id="{3A033566-54F0-4EED-BD9E-7172E2C67460}" type="datetimeFigureOut">
               <a:rPr lang="sk-SK" smtClean="0"/>
-              <a:t>6.6.2017</a:t>
+              <a:t>6. 6. 2017</a:t>
             </a:fld>
             <a:endParaRPr lang="sk-SK"/>
           </a:p>
@@ -3013,7 +3018,7 @@
           <a:p>
             <a:fld id="{3A033566-54F0-4EED-BD9E-7172E2C67460}" type="datetimeFigureOut">
               <a:rPr lang="sk-SK" smtClean="0"/>
-              <a:t>6.6.2017</a:t>
+              <a:t>6. 6. 2017</a:t>
             </a:fld>
             <a:endParaRPr lang="sk-SK"/>
           </a:p>
@@ -3300,7 +3305,7 @@
           <a:p>
             <a:fld id="{3A033566-54F0-4EED-BD9E-7172E2C67460}" type="datetimeFigureOut">
               <a:rPr lang="sk-SK" smtClean="0"/>
-              <a:t>6.6.2017</a:t>
+              <a:t>6. 6. 2017</a:t>
             </a:fld>
             <a:endParaRPr lang="sk-SK"/>
           </a:p>
@@ -3997,6 +4002,668 @@
           <p:cNvPr id="2" name="Nadpis 1">
             <a:extLst>
               <a:ext uri="{FF2B5EF4-FFF2-40B4-BE49-F238E27FC236}">
+                <a16:creationId xmlns:a16="http://schemas.microsoft.com/office/drawing/2014/main" id="{5F196200-D7F5-4E0B-A005-64C1DACE0FC7}"/>
+              </a:ext>
+            </a:extLst>
+          </p:cNvPr>
+          <p:cNvSpPr>
+            <a:spLocks noGrp="1"/>
+          </p:cNvSpPr>
+          <p:nvPr>
+            <p:ph type="title"/>
+          </p:nvPr>
+        </p:nvSpPr>
+        <p:spPr/>
+        <p:txBody>
+          <a:bodyPr/>
+          <a:lstStyle/>
+          <a:p>
+            <a:r>
+              <a:rPr lang="sk-SK" dirty="0"/>
+              <a:t>2. Postup a popis funkcionality</a:t>
+            </a:r>
+          </a:p>
+        </p:txBody>
+      </p:sp>
+      <p:sp>
+        <p:nvSpPr>
+          <p:cNvPr id="3" name="Zástupný objekt pre obsah 2">
+            <a:extLst>
+              <a:ext uri="{FF2B5EF4-FFF2-40B4-BE49-F238E27FC236}">
+                <a16:creationId xmlns:a16="http://schemas.microsoft.com/office/drawing/2014/main" id="{51CB2A81-DA49-46B6-8100-7A9BDAD04B13}"/>
+              </a:ext>
+            </a:extLst>
+          </p:cNvPr>
+          <p:cNvSpPr>
+            <a:spLocks noGrp="1"/>
+          </p:cNvSpPr>
+          <p:nvPr>
+            <p:ph idx="1"/>
+          </p:nvPr>
+        </p:nvSpPr>
+        <p:spPr/>
+        <p:txBody>
+          <a:bodyPr>
+            <a:normAutofit/>
+          </a:bodyPr>
+          <a:lstStyle/>
+          <a:p>
+            <a:pPr lvl="1"/>
+            <a:r>
+              <a:rPr lang="sk-SK" sz="2800" dirty="0" smtClean="0"/>
+              <a:t>1. Návrh </a:t>
+            </a:r>
+            <a:r>
+              <a:rPr lang="sk-SK" sz="2800" dirty="0"/>
+              <a:t>UI</a:t>
+            </a:r>
+          </a:p>
+          <a:p>
+            <a:pPr lvl="1"/>
+            <a:r>
+              <a:rPr lang="sk-SK" sz="2800" dirty="0" smtClean="0"/>
+              <a:t>2. Vytvorenie </a:t>
+            </a:r>
+            <a:r>
+              <a:rPr lang="sk-SK" sz="2800" dirty="0"/>
+              <a:t>pár </a:t>
+            </a:r>
+            <a:r>
+              <a:rPr lang="sk-SK" sz="2800" dirty="0" smtClean="0"/>
+              <a:t>obrazoviek UI</a:t>
+            </a:r>
+          </a:p>
+          <a:p>
+            <a:pPr lvl="1"/>
+            <a:r>
+              <a:rPr lang="sk-SK" sz="2800" dirty="0" smtClean="0"/>
+              <a:t>3. Príprava (</a:t>
+            </a:r>
+            <a:r>
+              <a:rPr lang="sk-SK" sz="2800" dirty="0"/>
+              <a:t>ú</a:t>
+            </a:r>
+            <a:r>
+              <a:rPr lang="sk-SK" sz="2800" dirty="0" smtClean="0"/>
+              <a:t>prava</a:t>
+            </a:r>
+            <a:r>
+              <a:rPr lang="sk-SK" sz="2800" dirty="0"/>
+              <a:t>)</a:t>
+            </a:r>
+            <a:r>
+              <a:rPr lang="sk-SK" sz="2800" dirty="0" smtClean="0"/>
+              <a:t> databáze</a:t>
+            </a:r>
+          </a:p>
+          <a:p>
+            <a:pPr lvl="1"/>
+            <a:r>
+              <a:rPr lang="sk-SK" sz="2800" dirty="0" smtClean="0"/>
+              <a:t>4. Prepojenie UI s dátami</a:t>
+            </a:r>
+          </a:p>
+          <a:p>
+            <a:pPr lvl="1"/>
+            <a:r>
+              <a:rPr lang="sk-SK" sz="2800" dirty="0" smtClean="0"/>
+              <a:t>5. Pridanie funkcionality – vytvorenie prototypu</a:t>
+            </a:r>
+            <a:endParaRPr lang="sk-SK" sz="2800" dirty="0"/>
+          </a:p>
+          <a:p>
+            <a:pPr lvl="1"/>
+            <a:r>
+              <a:rPr lang="sk-SK" sz="2800" dirty="0"/>
+              <a:t>6</a:t>
+            </a:r>
+            <a:r>
+              <a:rPr lang="sk-SK" sz="2800" dirty="0" smtClean="0"/>
+              <a:t>. Iteratívne o</a:t>
+            </a:r>
+            <a:r>
+              <a:rPr lang="sk-SK" sz="2800" dirty="0" smtClean="0"/>
+              <a:t>pakovanie krokov 2. až 5.</a:t>
+            </a:r>
+            <a:endParaRPr lang="sk-SK" sz="2800" dirty="0"/>
+          </a:p>
+        </p:txBody>
+      </p:sp>
+    </p:spTree>
+    <p:extLst>
+      <p:ext uri="{BB962C8B-B14F-4D97-AF65-F5344CB8AC3E}">
+        <p14:creationId xmlns:p14="http://schemas.microsoft.com/office/powerpoint/2010/main" val="3407104556"/>
+      </p:ext>
+    </p:extLst>
+  </p:cSld>
+  <p:clrMapOvr>
+    <a:masterClrMapping/>
+  </p:clrMapOvr>
+</p:sld>
+</file>
+
+<file path=ppt/slides/slide11.xml><?xml version="1.0" encoding="utf-8"?>
+<p:sld xmlns:a="http://schemas.openxmlformats.org/drawingml/2006/main" xmlns:r="http://schemas.openxmlformats.org/officeDocument/2006/relationships" xmlns:p="http://schemas.openxmlformats.org/presentationml/2006/main">
+  <p:cSld>
+    <p:spTree>
+      <p:nvGrpSpPr>
+        <p:cNvPr id="1" name=""/>
+        <p:cNvGrpSpPr/>
+        <p:nvPr/>
+      </p:nvGrpSpPr>
+      <p:grpSpPr>
+        <a:xfrm>
+          <a:off x="0" y="0"/>
+          <a:ext cx="0" cy="0"/>
+          <a:chOff x="0" y="0"/>
+          <a:chExt cx="0" cy="0"/>
+        </a:xfrm>
+      </p:grpSpPr>
+      <p:sp>
+        <p:nvSpPr>
+          <p:cNvPr id="2" name="Nadpis 1">
+            <a:extLst>
+              <a:ext uri="{FF2B5EF4-FFF2-40B4-BE49-F238E27FC236}">
+                <a16:creationId xmlns:a16="http://schemas.microsoft.com/office/drawing/2014/main" id="{5F196200-D7F5-4E0B-A005-64C1DACE0FC7}"/>
+              </a:ext>
+            </a:extLst>
+          </p:cNvPr>
+          <p:cNvSpPr>
+            <a:spLocks noGrp="1"/>
+          </p:cNvSpPr>
+          <p:nvPr>
+            <p:ph type="title"/>
+          </p:nvPr>
+        </p:nvSpPr>
+        <p:spPr/>
+        <p:txBody>
+          <a:bodyPr/>
+          <a:lstStyle/>
+          <a:p>
+            <a:r>
+              <a:rPr lang="sk-SK" dirty="0"/>
+              <a:t>2. Postup a popis funkcionality</a:t>
+            </a:r>
+          </a:p>
+        </p:txBody>
+      </p:sp>
+      <p:sp>
+        <p:nvSpPr>
+          <p:cNvPr id="3" name="Zástupný objekt pre obsah 2">
+            <a:extLst>
+              <a:ext uri="{FF2B5EF4-FFF2-40B4-BE49-F238E27FC236}">
+                <a16:creationId xmlns:a16="http://schemas.microsoft.com/office/drawing/2014/main" id="{51CB2A81-DA49-46B6-8100-7A9BDAD04B13}"/>
+              </a:ext>
+            </a:extLst>
+          </p:cNvPr>
+          <p:cNvSpPr>
+            <a:spLocks noGrp="1"/>
+          </p:cNvSpPr>
+          <p:nvPr>
+            <p:ph idx="1"/>
+          </p:nvPr>
+        </p:nvSpPr>
+        <p:spPr/>
+        <p:txBody>
+          <a:bodyPr>
+            <a:normAutofit/>
+          </a:bodyPr>
+          <a:lstStyle/>
+          <a:p>
+            <a:pPr lvl="1"/>
+            <a:r>
+              <a:rPr lang="sk-SK" sz="2800" dirty="0" smtClean="0"/>
+              <a:t>1. Návrh </a:t>
+            </a:r>
+            <a:r>
+              <a:rPr lang="sk-SK" sz="2800" dirty="0"/>
+              <a:t>UI</a:t>
+            </a:r>
+          </a:p>
+          <a:p>
+            <a:pPr lvl="1"/>
+            <a:r>
+              <a:rPr lang="sk-SK" sz="2800" dirty="0" smtClean="0"/>
+              <a:t>2. Vytvorenie </a:t>
+            </a:r>
+            <a:r>
+              <a:rPr lang="sk-SK" sz="2800" dirty="0"/>
+              <a:t>pár </a:t>
+            </a:r>
+            <a:r>
+              <a:rPr lang="sk-SK" sz="2800" dirty="0" smtClean="0"/>
+              <a:t>obrazoviek UI</a:t>
+            </a:r>
+          </a:p>
+          <a:p>
+            <a:pPr lvl="1"/>
+            <a:r>
+              <a:rPr lang="sk-SK" sz="2800" dirty="0" smtClean="0"/>
+              <a:t>3. Príprava (</a:t>
+            </a:r>
+            <a:r>
+              <a:rPr lang="sk-SK" sz="2800" dirty="0"/>
+              <a:t>ú</a:t>
+            </a:r>
+            <a:r>
+              <a:rPr lang="sk-SK" sz="2800" dirty="0" smtClean="0"/>
+              <a:t>prava</a:t>
+            </a:r>
+            <a:r>
+              <a:rPr lang="sk-SK" sz="2800" dirty="0"/>
+              <a:t>)</a:t>
+            </a:r>
+            <a:r>
+              <a:rPr lang="sk-SK" sz="2800" dirty="0" smtClean="0"/>
+              <a:t> databáze</a:t>
+            </a:r>
+          </a:p>
+          <a:p>
+            <a:pPr lvl="1"/>
+            <a:r>
+              <a:rPr lang="sk-SK" sz="2800" dirty="0" smtClean="0"/>
+              <a:t>4. Prepojenie UI s dátami</a:t>
+            </a:r>
+          </a:p>
+          <a:p>
+            <a:pPr lvl="1"/>
+            <a:r>
+              <a:rPr lang="sk-SK" sz="2800" dirty="0" smtClean="0"/>
+              <a:t>5. Pridanie funkcionality – vytvorenie prototypu</a:t>
+            </a:r>
+            <a:endParaRPr lang="sk-SK" sz="2800" dirty="0"/>
+          </a:p>
+          <a:p>
+            <a:pPr lvl="1"/>
+            <a:r>
+              <a:rPr lang="sk-SK" sz="2800" dirty="0"/>
+              <a:t>6</a:t>
+            </a:r>
+            <a:r>
+              <a:rPr lang="sk-SK" sz="2800" dirty="0" smtClean="0"/>
+              <a:t>. Iteratívne o</a:t>
+            </a:r>
+            <a:r>
+              <a:rPr lang="sk-SK" sz="2800" dirty="0" smtClean="0"/>
+              <a:t>pakovanie krokov 2. až 5.</a:t>
+            </a:r>
+          </a:p>
+          <a:p>
+            <a:pPr lvl="1"/>
+            <a:r>
+              <a:rPr lang="sk-SK" sz="2800" dirty="0" smtClean="0"/>
+              <a:t>Medzičasom – testovanie a dolaďovanie UI a detailov</a:t>
+            </a:r>
+            <a:endParaRPr lang="sk-SK" sz="2800" dirty="0"/>
+          </a:p>
+        </p:txBody>
+      </p:sp>
+    </p:spTree>
+    <p:extLst>
+      <p:ext uri="{BB962C8B-B14F-4D97-AF65-F5344CB8AC3E}">
+        <p14:creationId xmlns:p14="http://schemas.microsoft.com/office/powerpoint/2010/main" val="3817879737"/>
+      </p:ext>
+    </p:extLst>
+  </p:cSld>
+  <p:clrMapOvr>
+    <a:masterClrMapping/>
+  </p:clrMapOvr>
+</p:sld>
+</file>
+
+<file path=ppt/slides/slide12.xml><?xml version="1.0" encoding="utf-8"?>
+<p:sld xmlns:a="http://schemas.openxmlformats.org/drawingml/2006/main" xmlns:r="http://schemas.openxmlformats.org/officeDocument/2006/relationships" xmlns:p="http://schemas.openxmlformats.org/presentationml/2006/main">
+  <p:cSld>
+    <p:spTree>
+      <p:nvGrpSpPr>
+        <p:cNvPr id="1" name=""/>
+        <p:cNvGrpSpPr/>
+        <p:nvPr/>
+      </p:nvGrpSpPr>
+      <p:grpSpPr>
+        <a:xfrm>
+          <a:off x="0" y="0"/>
+          <a:ext cx="0" cy="0"/>
+          <a:chOff x="0" y="0"/>
+          <a:chExt cx="0" cy="0"/>
+        </a:xfrm>
+      </p:grpSpPr>
+      <p:sp>
+        <p:nvSpPr>
+          <p:cNvPr id="2" name="Nadpis 1">
+            <a:extLst>
+              <a:ext uri="{FF2B5EF4-FFF2-40B4-BE49-F238E27FC236}">
+                <a16:creationId xmlns:a16="http://schemas.microsoft.com/office/drawing/2014/main" id="{5F196200-D7F5-4E0B-A005-64C1DACE0FC7}"/>
+              </a:ext>
+            </a:extLst>
+          </p:cNvPr>
+          <p:cNvSpPr>
+            <a:spLocks noGrp="1"/>
+          </p:cNvSpPr>
+          <p:nvPr>
+            <p:ph type="title"/>
+          </p:nvPr>
+        </p:nvSpPr>
+        <p:spPr/>
+        <p:txBody>
+          <a:bodyPr/>
+          <a:lstStyle/>
+          <a:p>
+            <a:r>
+              <a:rPr lang="sk-SK" dirty="0"/>
+              <a:t>3. Najväčšie technické problémy</a:t>
+            </a:r>
+          </a:p>
+        </p:txBody>
+      </p:sp>
+      <p:sp>
+        <p:nvSpPr>
+          <p:cNvPr id="3" name="Zástupný objekt pre obsah 2">
+            <a:extLst>
+              <a:ext uri="{FF2B5EF4-FFF2-40B4-BE49-F238E27FC236}">
+                <a16:creationId xmlns:a16="http://schemas.microsoft.com/office/drawing/2014/main" id="{51CB2A81-DA49-46B6-8100-7A9BDAD04B13}"/>
+              </a:ext>
+            </a:extLst>
+          </p:cNvPr>
+          <p:cNvSpPr>
+            <a:spLocks noGrp="1"/>
+          </p:cNvSpPr>
+          <p:nvPr>
+            <p:ph idx="1"/>
+          </p:nvPr>
+        </p:nvSpPr>
+        <p:spPr/>
+        <p:txBody>
+          <a:bodyPr>
+            <a:normAutofit/>
+          </a:bodyPr>
+          <a:lstStyle/>
+          <a:p>
+            <a:pPr lvl="1"/>
+            <a:r>
+              <a:rPr lang="sk-SK" sz="2800" dirty="0"/>
+              <a:t>Vytvorenie správneho dátového modelu</a:t>
+            </a:r>
+          </a:p>
+        </p:txBody>
+      </p:sp>
+    </p:spTree>
+    <p:extLst>
+      <p:ext uri="{BB962C8B-B14F-4D97-AF65-F5344CB8AC3E}">
+        <p14:creationId xmlns:p14="http://schemas.microsoft.com/office/powerpoint/2010/main" val="3476974474"/>
+      </p:ext>
+    </p:extLst>
+  </p:cSld>
+  <p:clrMapOvr>
+    <a:masterClrMapping/>
+  </p:clrMapOvr>
+</p:sld>
+</file>
+
+<file path=ppt/slides/slide13.xml><?xml version="1.0" encoding="utf-8"?>
+<p:sld xmlns:a="http://schemas.openxmlformats.org/drawingml/2006/main" xmlns:r="http://schemas.openxmlformats.org/officeDocument/2006/relationships" xmlns:p="http://schemas.openxmlformats.org/presentationml/2006/main">
+  <p:cSld>
+    <p:spTree>
+      <p:nvGrpSpPr>
+        <p:cNvPr id="1" name=""/>
+        <p:cNvGrpSpPr/>
+        <p:nvPr/>
+      </p:nvGrpSpPr>
+      <p:grpSpPr>
+        <a:xfrm>
+          <a:off x="0" y="0"/>
+          <a:ext cx="0" cy="0"/>
+          <a:chOff x="0" y="0"/>
+          <a:chExt cx="0" cy="0"/>
+        </a:xfrm>
+      </p:grpSpPr>
+      <p:sp>
+        <p:nvSpPr>
+          <p:cNvPr id="2" name="Nadpis 1">
+            <a:extLst>
+              <a:ext uri="{FF2B5EF4-FFF2-40B4-BE49-F238E27FC236}">
+                <a16:creationId xmlns:a16="http://schemas.microsoft.com/office/drawing/2014/main" id="{5F196200-D7F5-4E0B-A005-64C1DACE0FC7}"/>
+              </a:ext>
+            </a:extLst>
+          </p:cNvPr>
+          <p:cNvSpPr>
+            <a:spLocks noGrp="1"/>
+          </p:cNvSpPr>
+          <p:nvPr>
+            <p:ph type="title"/>
+          </p:nvPr>
+        </p:nvSpPr>
+        <p:spPr/>
+        <p:txBody>
+          <a:bodyPr/>
+          <a:lstStyle/>
+          <a:p>
+            <a:r>
+              <a:rPr lang="sk-SK" dirty="0"/>
+              <a:t>3. Najväčšie technické problémy</a:t>
+            </a:r>
+          </a:p>
+        </p:txBody>
+      </p:sp>
+      <p:sp>
+        <p:nvSpPr>
+          <p:cNvPr id="3" name="Zástupný objekt pre obsah 2">
+            <a:extLst>
+              <a:ext uri="{FF2B5EF4-FFF2-40B4-BE49-F238E27FC236}">
+                <a16:creationId xmlns:a16="http://schemas.microsoft.com/office/drawing/2014/main" id="{51CB2A81-DA49-46B6-8100-7A9BDAD04B13}"/>
+              </a:ext>
+            </a:extLst>
+          </p:cNvPr>
+          <p:cNvSpPr>
+            <a:spLocks noGrp="1"/>
+          </p:cNvSpPr>
+          <p:nvPr>
+            <p:ph idx="1"/>
+          </p:nvPr>
+        </p:nvSpPr>
+        <p:spPr/>
+        <p:txBody>
+          <a:bodyPr>
+            <a:normAutofit/>
+          </a:bodyPr>
+          <a:lstStyle/>
+          <a:p>
+            <a:pPr lvl="1"/>
+            <a:r>
+              <a:rPr lang="sk-SK" sz="2800" dirty="0"/>
+              <a:t>Vytvorenie správneho dátového modelu</a:t>
+            </a:r>
+          </a:p>
+          <a:p>
+            <a:pPr lvl="1"/>
+            <a:r>
+              <a:rPr lang="sk-SK" sz="2800" dirty="0"/>
+              <a:t>Výber databázovej technológie – Microsoft Entity </a:t>
+            </a:r>
+            <a:r>
+              <a:rPr lang="sk-SK" sz="2800" dirty="0" err="1"/>
+              <a:t>Framework</a:t>
+            </a:r>
+            <a:r>
+              <a:rPr lang="sk-SK" sz="2800" dirty="0"/>
+              <a:t> + </a:t>
+            </a:r>
+            <a:r>
+              <a:rPr lang="sk-SK" sz="2800" dirty="0" err="1" smtClean="0"/>
+              <a:t>SQLite</a:t>
+            </a:r>
+            <a:endParaRPr lang="sk-SK" sz="2800" dirty="0"/>
+          </a:p>
+        </p:txBody>
+      </p:sp>
+    </p:spTree>
+    <p:extLst>
+      <p:ext uri="{BB962C8B-B14F-4D97-AF65-F5344CB8AC3E}">
+        <p14:creationId xmlns:p14="http://schemas.microsoft.com/office/powerpoint/2010/main" val="1844586134"/>
+      </p:ext>
+    </p:extLst>
+  </p:cSld>
+  <p:clrMapOvr>
+    <a:masterClrMapping/>
+  </p:clrMapOvr>
+</p:sld>
+</file>
+
+<file path=ppt/slides/slide14.xml><?xml version="1.0" encoding="utf-8"?>
+<p:sld xmlns:a="http://schemas.openxmlformats.org/drawingml/2006/main" xmlns:r="http://schemas.openxmlformats.org/officeDocument/2006/relationships" xmlns:p="http://schemas.openxmlformats.org/presentationml/2006/main">
+  <p:cSld>
+    <p:spTree>
+      <p:nvGrpSpPr>
+        <p:cNvPr id="1" name=""/>
+        <p:cNvGrpSpPr/>
+        <p:nvPr/>
+      </p:nvGrpSpPr>
+      <p:grpSpPr>
+        <a:xfrm>
+          <a:off x="0" y="0"/>
+          <a:ext cx="0" cy="0"/>
+          <a:chOff x="0" y="0"/>
+          <a:chExt cx="0" cy="0"/>
+        </a:xfrm>
+      </p:grpSpPr>
+      <p:sp>
+        <p:nvSpPr>
+          <p:cNvPr id="2" name="Nadpis 1">
+            <a:extLst>
+              <a:ext uri="{FF2B5EF4-FFF2-40B4-BE49-F238E27FC236}">
+                <a16:creationId xmlns:a16="http://schemas.microsoft.com/office/drawing/2014/main" id="{5F196200-D7F5-4E0B-A005-64C1DACE0FC7}"/>
+              </a:ext>
+            </a:extLst>
+          </p:cNvPr>
+          <p:cNvSpPr>
+            <a:spLocks noGrp="1"/>
+          </p:cNvSpPr>
+          <p:nvPr>
+            <p:ph type="title"/>
+          </p:nvPr>
+        </p:nvSpPr>
+        <p:spPr/>
+        <p:txBody>
+          <a:bodyPr/>
+          <a:lstStyle/>
+          <a:p>
+            <a:r>
+              <a:rPr lang="sk-SK" dirty="0"/>
+              <a:t>3. Najväčšie technické problémy</a:t>
+            </a:r>
+          </a:p>
+        </p:txBody>
+      </p:sp>
+      <p:sp>
+        <p:nvSpPr>
+          <p:cNvPr id="3" name="Zástupný objekt pre obsah 2">
+            <a:extLst>
+              <a:ext uri="{FF2B5EF4-FFF2-40B4-BE49-F238E27FC236}">
+                <a16:creationId xmlns:a16="http://schemas.microsoft.com/office/drawing/2014/main" id="{51CB2A81-DA49-46B6-8100-7A9BDAD04B13}"/>
+              </a:ext>
+            </a:extLst>
+          </p:cNvPr>
+          <p:cNvSpPr>
+            <a:spLocks noGrp="1"/>
+          </p:cNvSpPr>
+          <p:nvPr>
+            <p:ph idx="1"/>
+          </p:nvPr>
+        </p:nvSpPr>
+        <p:spPr/>
+        <p:txBody>
+          <a:bodyPr>
+            <a:normAutofit/>
+          </a:bodyPr>
+          <a:lstStyle/>
+          <a:p>
+            <a:pPr lvl="1"/>
+            <a:r>
+              <a:rPr lang="sk-SK" sz="2800" dirty="0"/>
+              <a:t>Vytvorenie správneho dátového modelu</a:t>
+            </a:r>
+          </a:p>
+          <a:p>
+            <a:pPr lvl="1"/>
+            <a:r>
+              <a:rPr lang="sk-SK" sz="2800" dirty="0"/>
+              <a:t>Výber databázovej technológie – Microsoft Entity </a:t>
+            </a:r>
+            <a:r>
+              <a:rPr lang="sk-SK" sz="2800" dirty="0" err="1"/>
+              <a:t>Framework</a:t>
+            </a:r>
+            <a:r>
+              <a:rPr lang="sk-SK" sz="2800" dirty="0"/>
+              <a:t> + </a:t>
+            </a:r>
+            <a:r>
+              <a:rPr lang="sk-SK" sz="2800" dirty="0" err="1" smtClean="0"/>
+              <a:t>SQLite</a:t>
+            </a:r>
+            <a:endParaRPr lang="en-US" sz="2800" dirty="0" smtClean="0"/>
+          </a:p>
+          <a:p>
+            <a:pPr lvl="1"/>
+            <a:r>
+              <a:rPr lang="en-US" sz="2800" dirty="0" err="1" smtClean="0"/>
+              <a:t>Optimaliz</a:t>
+            </a:r>
+            <a:r>
+              <a:rPr lang="sk-SK" sz="2800" dirty="0"/>
+              <a:t>á</a:t>
+            </a:r>
+            <a:r>
+              <a:rPr lang="en-US" sz="2800" dirty="0" err="1" smtClean="0"/>
+              <a:t>cia</a:t>
+            </a:r>
+            <a:r>
+              <a:rPr lang="en-US" sz="2800" dirty="0" smtClean="0"/>
+              <a:t> UX</a:t>
+            </a:r>
+            <a:endParaRPr lang="sk-SK" sz="2800" dirty="0" smtClean="0"/>
+          </a:p>
+          <a:p>
+            <a:pPr lvl="1"/>
+            <a:endParaRPr lang="sk-SK" sz="2800" dirty="0"/>
+          </a:p>
+        </p:txBody>
+      </p:sp>
+    </p:spTree>
+    <p:extLst>
+      <p:ext uri="{BB962C8B-B14F-4D97-AF65-F5344CB8AC3E}">
+        <p14:creationId xmlns:p14="http://schemas.microsoft.com/office/powerpoint/2010/main" val="3788544441"/>
+      </p:ext>
+    </p:extLst>
+  </p:cSld>
+  <p:clrMapOvr>
+    <a:masterClrMapping/>
+  </p:clrMapOvr>
+</p:sld>
+</file>
+
+<file path=ppt/slides/slide15.xml><?xml version="1.0" encoding="utf-8"?>
+<p:sld xmlns:a="http://schemas.openxmlformats.org/drawingml/2006/main" xmlns:r="http://schemas.openxmlformats.org/officeDocument/2006/relationships" xmlns:p="http://schemas.openxmlformats.org/presentationml/2006/main">
+  <p:cSld>
+    <p:spTree>
+      <p:nvGrpSpPr>
+        <p:cNvPr id="1" name=""/>
+        <p:cNvGrpSpPr/>
+        <p:nvPr/>
+      </p:nvGrpSpPr>
+      <p:grpSpPr>
+        <a:xfrm>
+          <a:off x="0" y="0"/>
+          <a:ext cx="0" cy="0"/>
+          <a:chOff x="0" y="0"/>
+          <a:chExt cx="0" cy="0"/>
+        </a:xfrm>
+      </p:grpSpPr>
+      <p:sp>
+        <p:nvSpPr>
+          <p:cNvPr id="2" name="Nadpis 1">
+            <a:extLst>
+              <a:ext uri="{FF2B5EF4-FFF2-40B4-BE49-F238E27FC236}">
                 <a16:creationId xmlns:a16="http://schemas.microsoft.com/office/drawing/2014/main" id="{213B6DB3-7C3E-4526-A58D-A86B467FCFC1}"/>
               </a:ext>
             </a:extLst>
@@ -4136,7 +4803,7 @@
 </p:sld>
 </file>
 
-<file path=ppt/slides/slide11.xml><?xml version="1.0" encoding="utf-8"?>
+<file path=ppt/slides/slide16.xml><?xml version="1.0" encoding="utf-8"?>
 <p:sld xmlns:a="http://schemas.openxmlformats.org/drawingml/2006/main" xmlns:r="http://schemas.openxmlformats.org/officeDocument/2006/relationships" xmlns:p="http://schemas.openxmlformats.org/presentationml/2006/main">
   <p:cSld>
     <p:spTree>
@@ -4207,7 +4874,15 @@
             <a:pPr lvl="1"/>
             <a:r>
               <a:rPr lang="sk-SK" sz="2800" dirty="0"/>
-              <a:t>Výpočet času triezvosti používateľa</a:t>
+              <a:t>Výpočet </a:t>
+            </a:r>
+            <a:r>
+              <a:rPr lang="sk-SK" sz="2800" dirty="0" smtClean="0"/>
+              <a:t>promile a času </a:t>
+            </a:r>
+            <a:r>
+              <a:rPr lang="sk-SK" sz="2800" dirty="0"/>
+              <a:t>triezvosti používateľa</a:t>
             </a:r>
           </a:p>
           <a:p>
@@ -4304,7 +4979,7 @@
 </p:sld>
 </file>
 
-<file path=ppt/slides/slide12.xml><?xml version="1.0" encoding="utf-8"?>
+<file path=ppt/slides/slide17.xml><?xml version="1.0" encoding="utf-8"?>
 <p:sld xmlns:a="http://schemas.openxmlformats.org/drawingml/2006/main" xmlns:r="http://schemas.openxmlformats.org/officeDocument/2006/relationships" xmlns:p="http://schemas.openxmlformats.org/presentationml/2006/main">
   <p:cSld>
     <p:spTree>
@@ -4902,16 +5577,17 @@
           <a:p>
             <a:pPr lvl="1"/>
             <a:r>
-              <a:rPr lang="sk-SK" sz="2800" dirty="0"/>
-              <a:t>Návrh UI</a:t>
-            </a:r>
+              <a:rPr lang="sk-SK" sz="2800" dirty="0" smtClean="0"/>
+              <a:t>1. Návrh UI</a:t>
+            </a:r>
+            <a:endParaRPr lang="sk-SK" sz="2800" dirty="0"/>
           </a:p>
         </p:txBody>
       </p:sp>
     </p:spTree>
     <p:extLst>
       <p:ext uri="{BB962C8B-B14F-4D97-AF65-F5344CB8AC3E}">
-        <p14:creationId xmlns:p14="http://schemas.microsoft.com/office/powerpoint/2010/main" val="847657007"/>
+        <p14:creationId xmlns:p14="http://schemas.microsoft.com/office/powerpoint/2010/main" val="2545766169"/>
       </p:ext>
     </p:extLst>
   </p:cSld>
@@ -4991,23 +5667,36 @@
           <a:p>
             <a:pPr lvl="1"/>
             <a:r>
+              <a:rPr lang="sk-SK" sz="2800" dirty="0" smtClean="0"/>
+              <a:t>1. Návrh </a:t>
+            </a:r>
+            <a:r>
               <a:rPr lang="sk-SK" sz="2800" dirty="0"/>
-              <a:t>Návrh UI</a:t>
+              <a:t>UI</a:t>
             </a:r>
           </a:p>
           <a:p>
             <a:pPr lvl="1"/>
             <a:r>
+              <a:rPr lang="sk-SK" sz="2800" dirty="0" smtClean="0"/>
+              <a:t>2. Vytvorenie </a:t>
+            </a:r>
+            <a:r>
               <a:rPr lang="sk-SK" sz="2800" dirty="0"/>
-              <a:t>Vytvorenie pár obrazoviek so vzorovými dátami</a:t>
-            </a:r>
+              <a:t>pár </a:t>
+            </a:r>
+            <a:r>
+              <a:rPr lang="sk-SK" sz="2800" dirty="0" smtClean="0"/>
+              <a:t>obrazoviek UI</a:t>
+            </a:r>
+            <a:endParaRPr lang="sk-SK" sz="2800" dirty="0"/>
           </a:p>
         </p:txBody>
       </p:sp>
     </p:spTree>
     <p:extLst>
       <p:ext uri="{BB962C8B-B14F-4D97-AF65-F5344CB8AC3E}">
-        <p14:creationId xmlns:p14="http://schemas.microsoft.com/office/powerpoint/2010/main" val="4269260401"/>
+        <p14:creationId xmlns:p14="http://schemas.microsoft.com/office/powerpoint/2010/main" val="2271681689"/>
       </p:ext>
     </p:extLst>
   </p:cSld>
@@ -5087,30 +5776,59 @@
           <a:p>
             <a:pPr lvl="1"/>
             <a:r>
+              <a:rPr lang="sk-SK" sz="2800" dirty="0" smtClean="0"/>
+              <a:t>1. Návrh </a:t>
+            </a:r>
+            <a:r>
               <a:rPr lang="sk-SK" sz="2800" dirty="0"/>
-              <a:t>Návrh UI</a:t>
+              <a:t>UI</a:t>
             </a:r>
           </a:p>
           <a:p>
             <a:pPr lvl="1"/>
             <a:r>
+              <a:rPr lang="sk-SK" sz="2800" dirty="0" smtClean="0"/>
+              <a:t>2. Vytvorenie </a:t>
+            </a:r>
+            <a:r>
               <a:rPr lang="sk-SK" sz="2800" dirty="0"/>
-              <a:t>Vytvorenie pár obrazoviek so vzorovými dátami</a:t>
+              <a:t>pár </a:t>
+            </a:r>
+            <a:r>
+              <a:rPr lang="sk-SK" sz="2800" dirty="0" smtClean="0"/>
+              <a:t>obrazoviek UI</a:t>
             </a:r>
           </a:p>
           <a:p>
             <a:pPr lvl="1"/>
             <a:r>
+              <a:rPr lang="sk-SK" sz="2800" dirty="0" smtClean="0"/>
+              <a:t>3. Príprava (</a:t>
+            </a:r>
+            <a:r>
               <a:rPr lang="sk-SK" sz="2800" dirty="0"/>
-              <a:t>Iteratívne pridávanie funkcionality</a:t>
-            </a:r>
+              <a:t>ú</a:t>
+            </a:r>
+            <a:r>
+              <a:rPr lang="sk-SK" sz="2800" dirty="0" smtClean="0"/>
+              <a:t>prava</a:t>
+            </a:r>
+            <a:r>
+              <a:rPr lang="sk-SK" sz="2800" dirty="0"/>
+              <a:t>)</a:t>
+            </a:r>
+            <a:r>
+              <a:rPr lang="sk-SK" sz="2800" dirty="0" smtClean="0"/>
+              <a:t> databáze</a:t>
+            </a:r>
+            <a:endParaRPr lang="sk-SK" sz="2800" dirty="0"/>
           </a:p>
         </p:txBody>
       </p:sp>
     </p:spTree>
     <p:extLst>
       <p:ext uri="{BB962C8B-B14F-4D97-AF65-F5344CB8AC3E}">
-        <p14:creationId xmlns:p14="http://schemas.microsoft.com/office/powerpoint/2010/main" val="2545766169"/>
+        <p14:creationId xmlns:p14="http://schemas.microsoft.com/office/powerpoint/2010/main" val="346092664"/>
       </p:ext>
     </p:extLst>
   </p:cSld>
@@ -5160,7 +5878,7 @@
           <a:p>
             <a:r>
               <a:rPr lang="sk-SK" dirty="0"/>
-              <a:t>3. Najväčšie technické problémy</a:t>
+              <a:t>2. Postup a popis funkcionality</a:t>
             </a:r>
           </a:p>
         </p:txBody>
@@ -5190,27 +5908,57 @@
           <a:p>
             <a:pPr lvl="1"/>
             <a:r>
+              <a:rPr lang="sk-SK" sz="2800" dirty="0" smtClean="0"/>
+              <a:t>1. Návrh </a:t>
+            </a:r>
+            <a:r>
               <a:rPr lang="sk-SK" sz="2800" dirty="0"/>
-              <a:t>Vytvorenie správneho dátového modelu</a:t>
+              <a:t>UI</a:t>
             </a:r>
           </a:p>
           <a:p>
             <a:pPr lvl="1"/>
             <a:r>
+              <a:rPr lang="sk-SK" sz="2800" dirty="0" smtClean="0"/>
+              <a:t>2. Vytvorenie </a:t>
+            </a:r>
+            <a:r>
               <a:rPr lang="sk-SK" sz="2800" dirty="0"/>
-              <a:t>Výber databázovej technológie – Microsoft Entity </a:t>
-            </a:r>
-            <a:r>
-              <a:rPr lang="sk-SK" sz="2800" dirty="0" err="1"/>
-              <a:t>Framework</a:t>
+              <a:t>pár </a:t>
+            </a:r>
+            <a:r>
+              <a:rPr lang="sk-SK" sz="2800" dirty="0" smtClean="0"/>
+              <a:t>obrazoviek UI</a:t>
+            </a:r>
+          </a:p>
+          <a:p>
+            <a:pPr lvl="1"/>
+            <a:r>
+              <a:rPr lang="sk-SK" sz="2800" dirty="0" smtClean="0"/>
+              <a:t>3. Príprava (</a:t>
             </a:r>
             <a:r>
               <a:rPr lang="sk-SK" sz="2800" dirty="0"/>
-              <a:t> + </a:t>
-            </a:r>
-            <a:r>
-              <a:rPr lang="sk-SK" sz="2800" dirty="0" err="1"/>
-              <a:t>SQLite</a:t>
+              <a:t>ú</a:t>
+            </a:r>
+            <a:r>
+              <a:rPr lang="sk-SK" sz="2800" dirty="0" smtClean="0"/>
+              <a:t>prava</a:t>
+            </a:r>
+            <a:r>
+              <a:rPr lang="sk-SK" sz="2800" dirty="0"/>
+              <a:t>)</a:t>
+            </a:r>
+            <a:r>
+              <a:rPr lang="sk-SK" sz="2800" dirty="0" smtClean="0"/>
+              <a:t> databáze</a:t>
+            </a:r>
+          </a:p>
+          <a:p>
+            <a:pPr lvl="1"/>
+            <a:r>
+              <a:rPr lang="sk-SK" sz="2800" dirty="0" smtClean="0"/>
+              <a:t>4. Prepojenie UI s dátami</a:t>
             </a:r>
             <a:endParaRPr lang="sk-SK" sz="2800" dirty="0"/>
           </a:p>
@@ -5219,7 +5967,7 @@
     </p:spTree>
     <p:extLst>
       <p:ext uri="{BB962C8B-B14F-4D97-AF65-F5344CB8AC3E}">
-        <p14:creationId xmlns:p14="http://schemas.microsoft.com/office/powerpoint/2010/main" val="1844586134"/>
+        <p14:creationId xmlns:p14="http://schemas.microsoft.com/office/powerpoint/2010/main" val="383762865"/>
       </p:ext>
     </p:extLst>
   </p:cSld>
@@ -5269,7 +6017,7 @@
           <a:p>
             <a:r>
               <a:rPr lang="sk-SK" dirty="0"/>
-              <a:t>3. Najväčšie technické problémy</a:t>
+              <a:t>2. Postup a popis funkcionality</a:t>
             </a:r>
           </a:p>
         </p:txBody>
@@ -5299,16 +6047,73 @@
           <a:p>
             <a:pPr lvl="1"/>
             <a:r>
+              <a:rPr lang="sk-SK" sz="2800" dirty="0" smtClean="0"/>
+              <a:t>1. Návrh </a:t>
+            </a:r>
+            <a:r>
               <a:rPr lang="sk-SK" sz="2800" dirty="0"/>
-              <a:t>Vytvorenie správneho dátového modelu</a:t>
-            </a:r>
+              <a:t>UI</a:t>
+            </a:r>
+          </a:p>
+          <a:p>
+            <a:pPr lvl="1"/>
+            <a:r>
+              <a:rPr lang="sk-SK" sz="2800" dirty="0" smtClean="0"/>
+              <a:t>2. Vytvorenie </a:t>
+            </a:r>
+            <a:r>
+              <a:rPr lang="sk-SK" sz="2800" dirty="0"/>
+              <a:t>pár </a:t>
+            </a:r>
+            <a:r>
+              <a:rPr lang="sk-SK" sz="2800" dirty="0" smtClean="0"/>
+              <a:t>obrazoviek UI</a:t>
+            </a:r>
+          </a:p>
+          <a:p>
+            <a:pPr lvl="1"/>
+            <a:r>
+              <a:rPr lang="sk-SK" sz="2800" dirty="0" smtClean="0"/>
+              <a:t>3. Príprava (</a:t>
+            </a:r>
+            <a:r>
+              <a:rPr lang="sk-SK" sz="2800" dirty="0"/>
+              <a:t>ú</a:t>
+            </a:r>
+            <a:r>
+              <a:rPr lang="sk-SK" sz="2800" dirty="0" smtClean="0"/>
+              <a:t>prava</a:t>
+            </a:r>
+            <a:r>
+              <a:rPr lang="sk-SK" sz="2800" dirty="0"/>
+              <a:t>)</a:t>
+            </a:r>
+            <a:r>
+              <a:rPr lang="sk-SK" sz="2800" dirty="0" smtClean="0"/>
+              <a:t> databáze</a:t>
+            </a:r>
+          </a:p>
+          <a:p>
+            <a:pPr lvl="1"/>
+            <a:r>
+              <a:rPr lang="sk-SK" sz="2800" dirty="0" smtClean="0"/>
+              <a:t>4. Prepojenie UI s dátami</a:t>
+            </a:r>
+          </a:p>
+          <a:p>
+            <a:pPr lvl="1"/>
+            <a:r>
+              <a:rPr lang="sk-SK" sz="2800" dirty="0" smtClean="0"/>
+              <a:t>5. Pridanie funkcionality – vytvorenie prototypu</a:t>
+            </a:r>
+            <a:endParaRPr lang="sk-SK" sz="2800" dirty="0"/>
           </a:p>
         </p:txBody>
       </p:sp>
     </p:spTree>
     <p:extLst>
       <p:ext uri="{BB962C8B-B14F-4D97-AF65-F5344CB8AC3E}">
-        <p14:creationId xmlns:p14="http://schemas.microsoft.com/office/powerpoint/2010/main" val="3476974474"/>
+        <p14:creationId xmlns:p14="http://schemas.microsoft.com/office/powerpoint/2010/main" val="2112340921"/>
       </p:ext>
     </p:extLst>
   </p:cSld>

--- a/Presentation/Drink Tracker.pptx
+++ b/Presentation/Drink Tracker.pptx
@@ -358,7 +358,7 @@
           <a:p>
             <a:fld id="{3A033566-54F0-4EED-BD9E-7172E2C67460}" type="datetimeFigureOut">
               <a:rPr lang="sk-SK" smtClean="0"/>
-              <a:t>6. 6. 2017</a:t>
+              <a:t>8.6.2017</a:t>
             </a:fld>
             <a:endParaRPr lang="sk-SK"/>
           </a:p>
@@ -566,7 +566,7 @@
           <a:p>
             <a:fld id="{3A033566-54F0-4EED-BD9E-7172E2C67460}" type="datetimeFigureOut">
               <a:rPr lang="sk-SK" smtClean="0"/>
-              <a:t>6. 6. 2017</a:t>
+              <a:t>8.6.2017</a:t>
             </a:fld>
             <a:endParaRPr lang="sk-SK"/>
           </a:p>
@@ -822,7 +822,7 @@
           <a:p>
             <a:fld id="{3A033566-54F0-4EED-BD9E-7172E2C67460}" type="datetimeFigureOut">
               <a:rPr lang="sk-SK" smtClean="0"/>
-              <a:t>6. 6. 2017</a:t>
+              <a:t>8.6.2017</a:t>
             </a:fld>
             <a:endParaRPr lang="sk-SK"/>
           </a:p>
@@ -996,7 +996,7 @@
           <a:p>
             <a:fld id="{3A033566-54F0-4EED-BD9E-7172E2C67460}" type="datetimeFigureOut">
               <a:rPr lang="sk-SK" smtClean="0"/>
-              <a:t>6. 6. 2017</a:t>
+              <a:t>8.6.2017</a:t>
             </a:fld>
             <a:endParaRPr lang="sk-SK"/>
           </a:p>
@@ -1339,7 +1339,7 @@
           <a:p>
             <a:fld id="{3A033566-54F0-4EED-BD9E-7172E2C67460}" type="datetimeFigureOut">
               <a:rPr lang="sk-SK" smtClean="0"/>
-              <a:t>6. 6. 2017</a:t>
+              <a:t>8.6.2017</a:t>
             </a:fld>
             <a:endParaRPr lang="sk-SK"/>
           </a:p>
@@ -1614,7 +1614,7 @@
           <a:p>
             <a:fld id="{3A033566-54F0-4EED-BD9E-7172E2C67460}" type="datetimeFigureOut">
               <a:rPr lang="sk-SK" smtClean="0"/>
-              <a:t>6. 6. 2017</a:t>
+              <a:t>8.6.2017</a:t>
             </a:fld>
             <a:endParaRPr lang="sk-SK"/>
           </a:p>
@@ -1993,7 +1993,7 @@
           <a:p>
             <a:fld id="{3A033566-54F0-4EED-BD9E-7172E2C67460}" type="datetimeFigureOut">
               <a:rPr lang="sk-SK" smtClean="0"/>
-              <a:t>6. 6. 2017</a:t>
+              <a:t>8.6.2017</a:t>
             </a:fld>
             <a:endParaRPr lang="sk-SK"/>
           </a:p>
@@ -2111,7 +2111,7 @@
           <a:p>
             <a:fld id="{3A033566-54F0-4EED-BD9E-7172E2C67460}" type="datetimeFigureOut">
               <a:rPr lang="sk-SK" smtClean="0"/>
-              <a:t>6. 6. 2017</a:t>
+              <a:t>8.6.2017</a:t>
             </a:fld>
             <a:endParaRPr lang="sk-SK"/>
           </a:p>
@@ -2282,7 +2282,7 @@
           <a:p>
             <a:fld id="{3A033566-54F0-4EED-BD9E-7172E2C67460}" type="datetimeFigureOut">
               <a:rPr lang="sk-SK" smtClean="0"/>
-              <a:t>6. 6. 2017</a:t>
+              <a:t>8.6.2017</a:t>
             </a:fld>
             <a:endParaRPr lang="sk-SK"/>
           </a:p>
@@ -2636,7 +2636,7 @@
           <a:p>
             <a:fld id="{3A033566-54F0-4EED-BD9E-7172E2C67460}" type="datetimeFigureOut">
               <a:rPr lang="sk-SK" smtClean="0"/>
-              <a:t>6. 6. 2017</a:t>
+              <a:t>8.6.2017</a:t>
             </a:fld>
             <a:endParaRPr lang="sk-SK"/>
           </a:p>
@@ -3018,7 +3018,7 @@
           <a:p>
             <a:fld id="{3A033566-54F0-4EED-BD9E-7172E2C67460}" type="datetimeFigureOut">
               <a:rPr lang="sk-SK" smtClean="0"/>
-              <a:t>6. 6. 2017</a:t>
+              <a:t>8.6.2017</a:t>
             </a:fld>
             <a:endParaRPr lang="sk-SK"/>
           </a:p>
@@ -3305,7 +3305,7 @@
           <a:p>
             <a:fld id="{3A033566-54F0-4EED-BD9E-7172E2C67460}" type="datetimeFigureOut">
               <a:rPr lang="sk-SK" smtClean="0"/>
-              <a:t>6. 6. 2017</a:t>
+              <a:t>8.6.2017</a:t>
             </a:fld>
             <a:endParaRPr lang="sk-SK"/>
           </a:p>
@@ -4049,83 +4049,49 @@
           <a:lstStyle/>
           <a:p>
             <a:pPr lvl="1"/>
-            <a:r>
-              <a:rPr lang="sk-SK" sz="2800" dirty="0" smtClean="0"/>
-              <a:t>1. Návrh </a:t>
-            </a:r>
+            <a:endParaRPr lang="sk-SK" sz="2800" dirty="0"/>
+          </a:p>
+          <a:p>
+            <a:pPr lvl="1"/>
             <a:r>
               <a:rPr lang="sk-SK" sz="2800" dirty="0"/>
-              <a:t>UI</a:t>
-            </a:r>
-          </a:p>
-          <a:p>
-            <a:pPr lvl="1"/>
-            <a:r>
-              <a:rPr lang="sk-SK" sz="2800" dirty="0" smtClean="0"/>
-              <a:t>2. Vytvorenie </a:t>
-            </a:r>
+              <a:t>1. Návrh UI</a:t>
+            </a:r>
+          </a:p>
+          <a:p>
+            <a:pPr lvl="1"/>
             <a:r>
               <a:rPr lang="sk-SK" sz="2800" dirty="0"/>
-              <a:t>pár </a:t>
-            </a:r>
-            <a:r>
-              <a:rPr lang="sk-SK" sz="2800" dirty="0" smtClean="0"/>
-              <a:t>obrazoviek UI</a:t>
-            </a:r>
-          </a:p>
-          <a:p>
-            <a:pPr lvl="1"/>
-            <a:r>
-              <a:rPr lang="sk-SK" sz="2800" dirty="0" smtClean="0"/>
-              <a:t>3. Príprava (</a:t>
-            </a:r>
+              <a:t>2. Vytvorenie pár obrazoviek UI</a:t>
+            </a:r>
+          </a:p>
+          <a:p>
+            <a:pPr lvl="1"/>
             <a:r>
               <a:rPr lang="sk-SK" sz="2800" dirty="0"/>
-              <a:t>ú</a:t>
-            </a:r>
-            <a:r>
-              <a:rPr lang="sk-SK" sz="2800" dirty="0" smtClean="0"/>
-              <a:t>prava</a:t>
-            </a:r>
+              <a:t>3. Príprava (úprava) databáze</a:t>
+            </a:r>
+          </a:p>
+          <a:p>
+            <a:pPr lvl="1"/>
             <a:r>
               <a:rPr lang="sk-SK" sz="2800" dirty="0"/>
-              <a:t>)</a:t>
-            </a:r>
-            <a:r>
-              <a:rPr lang="sk-SK" sz="2800" dirty="0" smtClean="0"/>
-              <a:t> databáze</a:t>
-            </a:r>
-          </a:p>
-          <a:p>
-            <a:pPr lvl="1"/>
-            <a:r>
-              <a:rPr lang="sk-SK" sz="2800" dirty="0" smtClean="0"/>
               <a:t>4. Prepojenie UI s dátami</a:t>
             </a:r>
           </a:p>
           <a:p>
             <a:pPr lvl="1"/>
             <a:r>
-              <a:rPr lang="sk-SK" sz="2800" dirty="0" smtClean="0"/>
+              <a:rPr lang="sk-SK" sz="2800" dirty="0"/>
               <a:t>5. Pridanie funkcionality – vytvorenie prototypu</a:t>
             </a:r>
-            <a:endParaRPr lang="sk-SK" sz="2800" dirty="0"/>
           </a:p>
           <a:p>
             <a:pPr lvl="1"/>
             <a:r>
               <a:rPr lang="sk-SK" sz="2800" dirty="0"/>
-              <a:t>6</a:t>
-            </a:r>
-            <a:r>
-              <a:rPr lang="sk-SK" sz="2800" dirty="0" smtClean="0"/>
-              <a:t>. Iteratívne o</a:t>
-            </a:r>
-            <a:r>
-              <a:rPr lang="sk-SK" sz="2800" dirty="0" smtClean="0"/>
-              <a:t>pakovanie krokov 2. až 5.</a:t>
-            </a:r>
-            <a:endParaRPr lang="sk-SK" sz="2800" dirty="0"/>
+              <a:t>6. Iteratívne opakovanie krokov 2. až 5.</a:t>
+            </a:r>
           </a:p>
         </p:txBody>
       </p:sp>
@@ -4211,90 +4177,56 @@
           <a:lstStyle/>
           <a:p>
             <a:pPr lvl="1"/>
-            <a:r>
-              <a:rPr lang="sk-SK" sz="2800" dirty="0" smtClean="0"/>
-              <a:t>1. Návrh </a:t>
-            </a:r>
+            <a:endParaRPr lang="sk-SK" sz="2800" dirty="0"/>
+          </a:p>
+          <a:p>
+            <a:pPr lvl="1"/>
             <a:r>
               <a:rPr lang="sk-SK" sz="2800" dirty="0"/>
-              <a:t>UI</a:t>
-            </a:r>
-          </a:p>
-          <a:p>
-            <a:pPr lvl="1"/>
-            <a:r>
-              <a:rPr lang="sk-SK" sz="2800" dirty="0" smtClean="0"/>
-              <a:t>2. Vytvorenie </a:t>
-            </a:r>
+              <a:t>1. Návrh UI</a:t>
+            </a:r>
+          </a:p>
+          <a:p>
+            <a:pPr lvl="1"/>
             <a:r>
               <a:rPr lang="sk-SK" sz="2800" dirty="0"/>
-              <a:t>pár </a:t>
-            </a:r>
-            <a:r>
-              <a:rPr lang="sk-SK" sz="2800" dirty="0" smtClean="0"/>
-              <a:t>obrazoviek UI</a:t>
-            </a:r>
-          </a:p>
-          <a:p>
-            <a:pPr lvl="1"/>
-            <a:r>
-              <a:rPr lang="sk-SK" sz="2800" dirty="0" smtClean="0"/>
-              <a:t>3. Príprava (</a:t>
-            </a:r>
+              <a:t>2. Vytvorenie pár obrazoviek UI</a:t>
+            </a:r>
+          </a:p>
+          <a:p>
+            <a:pPr lvl="1"/>
             <a:r>
               <a:rPr lang="sk-SK" sz="2800" dirty="0"/>
-              <a:t>ú</a:t>
-            </a:r>
-            <a:r>
-              <a:rPr lang="sk-SK" sz="2800" dirty="0" smtClean="0"/>
-              <a:t>prava</a:t>
-            </a:r>
+              <a:t>3. Príprava (úprava) databáze</a:t>
+            </a:r>
+          </a:p>
+          <a:p>
+            <a:pPr lvl="1"/>
             <a:r>
               <a:rPr lang="sk-SK" sz="2800" dirty="0"/>
-              <a:t>)</a:t>
-            </a:r>
-            <a:r>
-              <a:rPr lang="sk-SK" sz="2800" dirty="0" smtClean="0"/>
-              <a:t> databáze</a:t>
-            </a:r>
-          </a:p>
-          <a:p>
-            <a:pPr lvl="1"/>
-            <a:r>
-              <a:rPr lang="sk-SK" sz="2800" dirty="0" smtClean="0"/>
               <a:t>4. Prepojenie UI s dátami</a:t>
             </a:r>
           </a:p>
           <a:p>
             <a:pPr lvl="1"/>
             <a:r>
-              <a:rPr lang="sk-SK" sz="2800" dirty="0" smtClean="0"/>
+              <a:rPr lang="sk-SK" sz="2800" dirty="0"/>
               <a:t>5. Pridanie funkcionality – vytvorenie prototypu</a:t>
             </a:r>
-            <a:endParaRPr lang="sk-SK" sz="2800" dirty="0"/>
           </a:p>
           <a:p>
             <a:pPr lvl="1"/>
             <a:r>
               <a:rPr lang="sk-SK" sz="2800" dirty="0"/>
-              <a:t>6</a:t>
-            </a:r>
-            <a:r>
-              <a:rPr lang="sk-SK" sz="2800" dirty="0" smtClean="0"/>
-              <a:t>. Iteratívne o</a:t>
-            </a:r>
-            <a:r>
-              <a:rPr lang="sk-SK" sz="2800" dirty="0" smtClean="0"/>
-              <a:t>pakovanie krokov 2. až 5.</a:t>
-            </a:r>
-          </a:p>
-          <a:p>
-            <a:pPr lvl="1"/>
-            <a:r>
-              <a:rPr lang="sk-SK" sz="2800" dirty="0" smtClean="0"/>
+              <a:t>6. Iteratívne opakovanie krokov 2. až 5.</a:t>
+            </a:r>
+          </a:p>
+          <a:p>
+            <a:pPr lvl="1"/>
+            <a:r>
+              <a:rPr lang="sk-SK" sz="2800" dirty="0"/>
               <a:t>Medzičasom – testovanie a dolaďovanie UI a detailov</a:t>
             </a:r>
-            <a:endParaRPr lang="sk-SK" sz="2800" dirty="0"/>
           </a:p>
         </p:txBody>
       </p:sp>
@@ -4380,6 +4312,10 @@
           <a:lstStyle/>
           <a:p>
             <a:pPr lvl="1"/>
+            <a:endParaRPr lang="sk-SK" sz="2800" dirty="0"/>
+          </a:p>
+          <a:p>
+            <a:pPr lvl="1"/>
             <a:r>
               <a:rPr lang="sk-SK" sz="2800" dirty="0"/>
               <a:t>Vytvorenie správneho dátového modelu</a:t>
@@ -4469,6 +4405,10 @@
           <a:lstStyle/>
           <a:p>
             <a:pPr lvl="1"/>
+            <a:endParaRPr lang="sk-SK" sz="2800" dirty="0"/>
+          </a:p>
+          <a:p>
+            <a:pPr lvl="1"/>
             <a:r>
               <a:rPr lang="sk-SK" sz="2800" dirty="0"/>
               <a:t>Vytvorenie správneho dátového modelu</a:t>
@@ -4476,6 +4416,10 @@
           </a:p>
           <a:p>
             <a:pPr lvl="1"/>
+            <a:endParaRPr lang="sk-SK" sz="2800" dirty="0"/>
+          </a:p>
+          <a:p>
+            <a:pPr lvl="1"/>
             <a:r>
               <a:rPr lang="sk-SK" sz="2800" dirty="0"/>
               <a:t>Výber databázovej technológie – Microsoft Entity </a:t>
@@ -4489,7 +4433,7 @@
               <a:t> + </a:t>
             </a:r>
             <a:r>
-              <a:rPr lang="sk-SK" sz="2800" dirty="0" err="1" smtClean="0"/>
+              <a:rPr lang="sk-SK" sz="2800" dirty="0" err="1"/>
               <a:t>SQLite</a:t>
             </a:r>
             <a:endParaRPr lang="sk-SK" sz="2800" dirty="0"/>
@@ -4578,6 +4522,10 @@
           <a:lstStyle/>
           <a:p>
             <a:pPr lvl="1"/>
+            <a:endParaRPr lang="sk-SK" sz="2800" dirty="0"/>
+          </a:p>
+          <a:p>
+            <a:pPr lvl="1"/>
             <a:r>
               <a:rPr lang="sk-SK" sz="2800" dirty="0"/>
               <a:t>Vytvorenie správneho dátového modelu</a:t>
@@ -4585,6 +4533,10 @@
           </a:p>
           <a:p>
             <a:pPr lvl="1"/>
+            <a:endParaRPr lang="sk-SK" sz="2800" dirty="0"/>
+          </a:p>
+          <a:p>
+            <a:pPr lvl="1"/>
             <a:r>
               <a:rPr lang="sk-SK" sz="2800" dirty="0"/>
               <a:t>Výber databázovej technológie – Microsoft Entity </a:t>
@@ -4598,15 +4550,19 @@
               <a:t> + </a:t>
             </a:r>
             <a:r>
-              <a:rPr lang="sk-SK" sz="2800" dirty="0" err="1" smtClean="0"/>
+              <a:rPr lang="sk-SK" sz="2800" dirty="0" err="1"/>
               <a:t>SQLite</a:t>
             </a:r>
-            <a:endParaRPr lang="en-US" sz="2800" dirty="0" smtClean="0"/>
-          </a:p>
-          <a:p>
-            <a:pPr lvl="1"/>
-            <a:r>
-              <a:rPr lang="en-US" sz="2800" dirty="0" err="1" smtClean="0"/>
+            <a:endParaRPr lang="sk-SK" sz="2800" dirty="0"/>
+          </a:p>
+          <a:p>
+            <a:pPr lvl="1"/>
+            <a:endParaRPr lang="en-US" sz="2800" dirty="0"/>
+          </a:p>
+          <a:p>
+            <a:pPr lvl="1"/>
+            <a:r>
+              <a:rPr lang="en-US" sz="2800" dirty="0" err="1"/>
               <a:t>Optimaliz</a:t>
             </a:r>
             <a:r>
@@ -4614,14 +4570,14 @@
               <a:t>á</a:t>
             </a:r>
             <a:r>
-              <a:rPr lang="en-US" sz="2800" dirty="0" err="1" smtClean="0"/>
+              <a:rPr lang="en-US" sz="2800" dirty="0" err="1"/>
               <a:t>cia</a:t>
             </a:r>
             <a:r>
-              <a:rPr lang="en-US" sz="2800" dirty="0" smtClean="0"/>
+              <a:rPr lang="en-US" sz="2800" dirty="0"/>
               <a:t> UX</a:t>
             </a:r>
-            <a:endParaRPr lang="sk-SK" sz="2800" dirty="0" smtClean="0"/>
+            <a:endParaRPr lang="sk-SK" sz="2800" dirty="0"/>
           </a:p>
           <a:p>
             <a:pPr lvl="1"/>
@@ -4720,10 +4676,10 @@
       </p:sp>
       <p:pic>
         <p:nvPicPr>
-          <p:cNvPr id="5" name="Obrázok 4">
+          <p:cNvPr id="10" name="Obrázok 9">
             <a:extLst>
               <a:ext uri="{FF2B5EF4-FFF2-40B4-BE49-F238E27FC236}">
-                <a16:creationId xmlns:a16="http://schemas.microsoft.com/office/drawing/2014/main" id="{038AA234-1F87-4040-B670-272A9A0ED4A1}"/>
+                <a16:creationId xmlns:a16="http://schemas.microsoft.com/office/drawing/2014/main" id="{A912132F-003A-4B26-9EDF-2ECCDF4F2D3D}"/>
               </a:ext>
             </a:extLst>
           </p:cNvPr>
@@ -4746,8 +4702,8 @@
         </p:blipFill>
         <p:spPr>
           <a:xfrm>
-            <a:off x="7385863" y="2509935"/>
-            <a:ext cx="2982971" cy="3514186"/>
+            <a:off x="1691243" y="3496036"/>
+            <a:ext cx="4215035" cy="2373058"/>
           </a:xfrm>
           <a:prstGeom prst="rect">
             <a:avLst/>
@@ -4756,10 +4712,10 @@
       </p:pic>
       <p:pic>
         <p:nvPicPr>
-          <p:cNvPr id="10" name="Obrázok 9">
+          <p:cNvPr id="6" name="Obrázok 5">
             <a:extLst>
               <a:ext uri="{FF2B5EF4-FFF2-40B4-BE49-F238E27FC236}">
-                <a16:creationId xmlns:a16="http://schemas.microsoft.com/office/drawing/2014/main" id="{A912132F-003A-4B26-9EDF-2ECCDF4F2D3D}"/>
+                <a16:creationId xmlns:a16="http://schemas.microsoft.com/office/drawing/2014/main" id="{75CAF5A2-7317-4546-98B5-CCE13775D590}"/>
               </a:ext>
             </a:extLst>
           </p:cNvPr>
@@ -4782,8 +4738,8 @@
         </p:blipFill>
         <p:spPr>
           <a:xfrm>
-            <a:off x="1691243" y="3496036"/>
-            <a:ext cx="4215035" cy="2373058"/>
+            <a:off x="7231864" y="2544893"/>
+            <a:ext cx="3229964" cy="3538805"/>
           </a:xfrm>
           <a:prstGeom prst="rect">
             <a:avLst/>
@@ -4874,15 +4830,7 @@
             <a:pPr lvl="1"/>
             <a:r>
               <a:rPr lang="sk-SK" sz="2800" dirty="0"/>
-              <a:t>Výpočet </a:t>
-            </a:r>
-            <a:r>
-              <a:rPr lang="sk-SK" sz="2800" dirty="0" smtClean="0"/>
-              <a:t>promile a času </a:t>
-            </a:r>
-            <a:r>
-              <a:rPr lang="sk-SK" sz="2800" dirty="0"/>
-              <a:t>triezvosti používateľa</a:t>
+              <a:t>Výpočet promile a času triezvosti používateľa</a:t>
             </a:r>
           </a:p>
           <a:p>
@@ -4922,8 +4870,8 @@
         </p:blipFill>
         <p:spPr>
           <a:xfrm>
-            <a:off x="2147122" y="2874622"/>
-            <a:ext cx="3572543" cy="3102846"/>
+            <a:off x="2147122" y="3020513"/>
+            <a:ext cx="3572543" cy="2811064"/>
           </a:xfrm>
           <a:prstGeom prst="rect">
             <a:avLst/>
@@ -4958,8 +4906,8 @@
         </p:blipFill>
         <p:spPr>
           <a:xfrm>
-            <a:off x="6905292" y="2871882"/>
-            <a:ext cx="3936880" cy="3105586"/>
+            <a:off x="6905292" y="3020513"/>
+            <a:ext cx="3572542" cy="2811064"/>
           </a:xfrm>
           <a:prstGeom prst="rect">
             <a:avLst/>
@@ -5126,8 +5074,8 @@
         </p:blipFill>
         <p:spPr>
           <a:xfrm>
-            <a:off x="9156510" y="2557572"/>
-            <a:ext cx="2713039" cy="3642607"/>
+            <a:off x="9201272" y="2475294"/>
+            <a:ext cx="2682771" cy="3724885"/>
           </a:xfrm>
           <a:prstGeom prst="rect">
             <a:avLst/>
@@ -5288,6 +5236,10 @@
           <a:lstStyle/>
           <a:p>
             <a:pPr lvl="1"/>
+            <a:endParaRPr lang="sk-SK" sz="2800" dirty="0"/>
+          </a:p>
+          <a:p>
+            <a:pPr lvl="1"/>
             <a:r>
               <a:rPr lang="sk-SK" sz="2800" dirty="0"/>
               <a:t>Kontrolovanie počtu, ceny, druhu a času zakúpených nápojov v podniku</a:t>
@@ -5377,10 +5329,18 @@
           <a:lstStyle/>
           <a:p>
             <a:pPr lvl="1"/>
+            <a:endParaRPr lang="sk-SK" sz="2800" dirty="0"/>
+          </a:p>
+          <a:p>
+            <a:pPr lvl="1"/>
             <a:r>
               <a:rPr lang="sk-SK" sz="2800" dirty="0"/>
               <a:t>Kontrolovanie počtu, ceny, druhu a času zakúpených nápojov v podniku</a:t>
             </a:r>
+          </a:p>
+          <a:p>
+            <a:pPr lvl="1"/>
+            <a:endParaRPr lang="sk-SK" sz="2800" dirty="0"/>
           </a:p>
           <a:p>
             <a:pPr lvl="1"/>
@@ -5473,6 +5433,10 @@
           <a:lstStyle/>
           <a:p>
             <a:pPr lvl="1"/>
+            <a:endParaRPr lang="sk-SK" sz="2800" dirty="0"/>
+          </a:p>
+          <a:p>
+            <a:pPr lvl="1"/>
             <a:r>
               <a:rPr lang="sk-SK" sz="2800" dirty="0"/>
               <a:t>Kontrolovanie počtu, ceny, druhu a času zakúpených nápojov v podniku</a:t>
@@ -5480,10 +5444,18 @@
           </a:p>
           <a:p>
             <a:pPr lvl="1"/>
+            <a:endParaRPr lang="sk-SK" sz="2800" dirty="0"/>
+          </a:p>
+          <a:p>
+            <a:pPr lvl="1"/>
             <a:r>
               <a:rPr lang="sk-SK" sz="2800" dirty="0"/>
               <a:t>Výpočet promile alkoholu v krvi a čas vytriezvenia</a:t>
             </a:r>
+          </a:p>
+          <a:p>
+            <a:pPr lvl="1"/>
+            <a:endParaRPr lang="sk-SK" sz="2800" dirty="0"/>
           </a:p>
           <a:p>
             <a:pPr lvl="1"/>
@@ -5576,11 +5548,14 @@
           <a:lstStyle/>
           <a:p>
             <a:pPr lvl="1"/>
-            <a:r>
-              <a:rPr lang="sk-SK" sz="2800" dirty="0" smtClean="0"/>
+            <a:endParaRPr lang="sk-SK" sz="2800" dirty="0"/>
+          </a:p>
+          <a:p>
+            <a:pPr lvl="1"/>
+            <a:r>
+              <a:rPr lang="sk-SK" sz="2800" dirty="0"/>
               <a:t>1. Návrh UI</a:t>
             </a:r>
-            <a:endParaRPr lang="sk-SK" sz="2800" dirty="0"/>
           </a:p>
         </p:txBody>
       </p:sp>
@@ -5666,30 +5641,21 @@
           <a:lstStyle/>
           <a:p>
             <a:pPr lvl="1"/>
-            <a:r>
-              <a:rPr lang="sk-SK" sz="2800" dirty="0" smtClean="0"/>
-              <a:t>1. Návrh </a:t>
-            </a:r>
+            <a:endParaRPr lang="sk-SK" sz="2800" dirty="0"/>
+          </a:p>
+          <a:p>
+            <a:pPr lvl="1"/>
             <a:r>
               <a:rPr lang="sk-SK" sz="2800" dirty="0"/>
-              <a:t>UI</a:t>
-            </a:r>
-          </a:p>
-          <a:p>
-            <a:pPr lvl="1"/>
-            <a:r>
-              <a:rPr lang="sk-SK" sz="2800" dirty="0" smtClean="0"/>
-              <a:t>2. Vytvorenie </a:t>
-            </a:r>
+              <a:t>1. Návrh UI</a:t>
+            </a:r>
+          </a:p>
+          <a:p>
+            <a:pPr lvl="1"/>
             <a:r>
               <a:rPr lang="sk-SK" sz="2800" dirty="0"/>
-              <a:t>pár </a:t>
-            </a:r>
-            <a:r>
-              <a:rPr lang="sk-SK" sz="2800" dirty="0" smtClean="0"/>
-              <a:t>obrazoviek UI</a:t>
-            </a:r>
-            <a:endParaRPr lang="sk-SK" sz="2800" dirty="0"/>
+              <a:t>2. Vytvorenie pár obrazoviek UI</a:t>
+            </a:r>
           </a:p>
         </p:txBody>
       </p:sp>
@@ -5775,53 +5741,28 @@
           <a:lstStyle/>
           <a:p>
             <a:pPr lvl="1"/>
-            <a:r>
-              <a:rPr lang="sk-SK" sz="2800" dirty="0" smtClean="0"/>
-              <a:t>1. Návrh </a:t>
-            </a:r>
+            <a:endParaRPr lang="sk-SK" sz="2800" dirty="0"/>
+          </a:p>
+          <a:p>
+            <a:pPr lvl="1"/>
             <a:r>
               <a:rPr lang="sk-SK" sz="2800" dirty="0"/>
-              <a:t>UI</a:t>
-            </a:r>
-          </a:p>
-          <a:p>
-            <a:pPr lvl="1"/>
-            <a:r>
-              <a:rPr lang="sk-SK" sz="2800" dirty="0" smtClean="0"/>
-              <a:t>2. Vytvorenie </a:t>
-            </a:r>
+              <a:t>1. Návrh UI</a:t>
+            </a:r>
+          </a:p>
+          <a:p>
+            <a:pPr lvl="1"/>
             <a:r>
               <a:rPr lang="sk-SK" sz="2800" dirty="0"/>
-              <a:t>pár </a:t>
-            </a:r>
-            <a:r>
-              <a:rPr lang="sk-SK" sz="2800" dirty="0" smtClean="0"/>
-              <a:t>obrazoviek UI</a:t>
-            </a:r>
-          </a:p>
-          <a:p>
-            <a:pPr lvl="1"/>
-            <a:r>
-              <a:rPr lang="sk-SK" sz="2800" dirty="0" smtClean="0"/>
-              <a:t>3. Príprava (</a:t>
-            </a:r>
+              <a:t>2. Vytvorenie pár obrazoviek UI</a:t>
+            </a:r>
+          </a:p>
+          <a:p>
+            <a:pPr lvl="1"/>
             <a:r>
               <a:rPr lang="sk-SK" sz="2800" dirty="0"/>
-              <a:t>ú</a:t>
-            </a:r>
-            <a:r>
-              <a:rPr lang="sk-SK" sz="2800" dirty="0" smtClean="0"/>
-              <a:t>prava</a:t>
-            </a:r>
-            <a:r>
-              <a:rPr lang="sk-SK" sz="2800" dirty="0"/>
-              <a:t>)</a:t>
-            </a:r>
-            <a:r>
-              <a:rPr lang="sk-SK" sz="2800" dirty="0" smtClean="0"/>
-              <a:t> databáze</a:t>
-            </a:r>
-            <a:endParaRPr lang="sk-SK" sz="2800" dirty="0"/>
+              <a:t>3. Príprava (úprava) databáze</a:t>
+            </a:r>
           </a:p>
         </p:txBody>
       </p:sp>
@@ -5907,60 +5848,35 @@
           <a:lstStyle/>
           <a:p>
             <a:pPr lvl="1"/>
-            <a:r>
-              <a:rPr lang="sk-SK" sz="2800" dirty="0" smtClean="0"/>
-              <a:t>1. Návrh </a:t>
-            </a:r>
+            <a:endParaRPr lang="sk-SK" sz="2800" dirty="0"/>
+          </a:p>
+          <a:p>
+            <a:pPr lvl="1"/>
             <a:r>
               <a:rPr lang="sk-SK" sz="2800" dirty="0"/>
-              <a:t>UI</a:t>
-            </a:r>
-          </a:p>
-          <a:p>
-            <a:pPr lvl="1"/>
-            <a:r>
-              <a:rPr lang="sk-SK" sz="2800" dirty="0" smtClean="0"/>
-              <a:t>2. Vytvorenie </a:t>
-            </a:r>
+              <a:t>1. Návrh UI</a:t>
+            </a:r>
+          </a:p>
+          <a:p>
+            <a:pPr lvl="1"/>
             <a:r>
               <a:rPr lang="sk-SK" sz="2800" dirty="0"/>
-              <a:t>pár </a:t>
-            </a:r>
-            <a:r>
-              <a:rPr lang="sk-SK" sz="2800" dirty="0" smtClean="0"/>
-              <a:t>obrazoviek UI</a:t>
-            </a:r>
-          </a:p>
-          <a:p>
-            <a:pPr lvl="1"/>
-            <a:r>
-              <a:rPr lang="sk-SK" sz="2800" dirty="0" smtClean="0"/>
-              <a:t>3. Príprava (</a:t>
-            </a:r>
+              <a:t>2. Vytvorenie pár obrazoviek UI</a:t>
+            </a:r>
+          </a:p>
+          <a:p>
+            <a:pPr lvl="1"/>
             <a:r>
               <a:rPr lang="sk-SK" sz="2800" dirty="0"/>
-              <a:t>ú</a:t>
-            </a:r>
-            <a:r>
-              <a:rPr lang="sk-SK" sz="2800" dirty="0" smtClean="0"/>
-              <a:t>prava</a:t>
-            </a:r>
+              <a:t>3. Príprava (úprava) databáze</a:t>
+            </a:r>
+          </a:p>
+          <a:p>
+            <a:pPr lvl="1"/>
             <a:r>
               <a:rPr lang="sk-SK" sz="2800" dirty="0"/>
-              <a:t>)</a:t>
-            </a:r>
-            <a:r>
-              <a:rPr lang="sk-SK" sz="2800" dirty="0" smtClean="0"/>
-              <a:t> databáze</a:t>
-            </a:r>
-          </a:p>
-          <a:p>
-            <a:pPr lvl="1"/>
-            <a:r>
-              <a:rPr lang="sk-SK" sz="2800" dirty="0" smtClean="0"/>
               <a:t>4. Prepojenie UI s dátami</a:t>
             </a:r>
-            <a:endParaRPr lang="sk-SK" sz="2800" dirty="0"/>
           </a:p>
         </p:txBody>
       </p:sp>
@@ -6046,67 +5962,42 @@
           <a:lstStyle/>
           <a:p>
             <a:pPr lvl="1"/>
-            <a:r>
-              <a:rPr lang="sk-SK" sz="2800" dirty="0" smtClean="0"/>
-              <a:t>1. Návrh </a:t>
-            </a:r>
+            <a:endParaRPr lang="sk-SK" sz="2800" dirty="0"/>
+          </a:p>
+          <a:p>
+            <a:pPr lvl="1"/>
             <a:r>
               <a:rPr lang="sk-SK" sz="2800" dirty="0"/>
-              <a:t>UI</a:t>
-            </a:r>
-          </a:p>
-          <a:p>
-            <a:pPr lvl="1"/>
-            <a:r>
-              <a:rPr lang="sk-SK" sz="2800" dirty="0" smtClean="0"/>
-              <a:t>2. Vytvorenie </a:t>
-            </a:r>
+              <a:t>1. Návrh UI</a:t>
+            </a:r>
+          </a:p>
+          <a:p>
+            <a:pPr lvl="1"/>
             <a:r>
               <a:rPr lang="sk-SK" sz="2800" dirty="0"/>
-              <a:t>pár </a:t>
-            </a:r>
-            <a:r>
-              <a:rPr lang="sk-SK" sz="2800" dirty="0" smtClean="0"/>
-              <a:t>obrazoviek UI</a:t>
-            </a:r>
-          </a:p>
-          <a:p>
-            <a:pPr lvl="1"/>
-            <a:r>
-              <a:rPr lang="sk-SK" sz="2800" dirty="0" smtClean="0"/>
-              <a:t>3. Príprava (</a:t>
-            </a:r>
+              <a:t>2. Vytvorenie pár obrazoviek UI</a:t>
+            </a:r>
+          </a:p>
+          <a:p>
+            <a:pPr lvl="1"/>
             <a:r>
               <a:rPr lang="sk-SK" sz="2800" dirty="0"/>
-              <a:t>ú</a:t>
-            </a:r>
-            <a:r>
-              <a:rPr lang="sk-SK" sz="2800" dirty="0" smtClean="0"/>
-              <a:t>prava</a:t>
-            </a:r>
+              <a:t>3. Príprava (úprava) databáze</a:t>
+            </a:r>
+          </a:p>
+          <a:p>
+            <a:pPr lvl="1"/>
             <a:r>
               <a:rPr lang="sk-SK" sz="2800" dirty="0"/>
-              <a:t>)</a:t>
-            </a:r>
-            <a:r>
-              <a:rPr lang="sk-SK" sz="2800" dirty="0" smtClean="0"/>
-              <a:t> databáze</a:t>
-            </a:r>
-          </a:p>
-          <a:p>
-            <a:pPr lvl="1"/>
-            <a:r>
-              <a:rPr lang="sk-SK" sz="2800" dirty="0" smtClean="0"/>
               <a:t>4. Prepojenie UI s dátami</a:t>
             </a:r>
           </a:p>
           <a:p>
             <a:pPr lvl="1"/>
             <a:r>
-              <a:rPr lang="sk-SK" sz="2800" dirty="0" smtClean="0"/>
+              <a:rPr lang="sk-SK" sz="2800" dirty="0"/>
               <a:t>5. Pridanie funkcionality – vytvorenie prototypu</a:t>
             </a:r>
-            <a:endParaRPr lang="sk-SK" sz="2800" dirty="0"/>
           </a:p>
         </p:txBody>
       </p:sp>
